--- a/assets/Flowcharts.pptx
+++ b/assets/Flowcharts.pptx
@@ -2,18 +2,18 @@
 <file path=ppt/presentation.xml><?xml version="1.0" encoding="utf-8"?>
 <p:presentation xmlns:a="http://schemas.openxmlformats.org/drawingml/2006/main" xmlns:r="http://schemas.openxmlformats.org/officeDocument/2006/relationships" xmlns:p="http://schemas.openxmlformats.org/presentationml/2006/main" saveSubsetFonts="1">
   <p:sldMasterIdLst>
-    <p:sldMasterId id="2147483648" r:id="rId1"/>
+    <p:sldMasterId id="2147483660" r:id="rId1"/>
   </p:sldMasterIdLst>
   <p:sldIdLst>
     <p:sldId id="256" r:id="rId2"/>
   </p:sldIdLst>
-  <p:sldSz cx="12192000" cy="6858000"/>
+  <p:sldSz cx="9144000" cy="6858000" type="screen4x3"/>
   <p:notesSz cx="6858000" cy="9144000"/>
   <p:defaultTextStyle>
     <a:defPPr>
       <a:defRPr lang="en-US"/>
     </a:defPPr>
-    <a:lvl1pPr marL="0" algn="l" defTabSz="914400" rtl="0" eaLnBrk="1" latinLnBrk="0" hangingPunct="1">
+    <a:lvl1pPr marL="0" algn="l" defTabSz="457200" rtl="0" eaLnBrk="1" latinLnBrk="0" hangingPunct="1">
       <a:defRPr sz="1800" kern="1200">
         <a:solidFill>
           <a:schemeClr val="tx1"/>
@@ -23,7 +23,7 @@
         <a:cs typeface="+mn-cs"/>
       </a:defRPr>
     </a:lvl1pPr>
-    <a:lvl2pPr marL="457200" algn="l" defTabSz="914400" rtl="0" eaLnBrk="1" latinLnBrk="0" hangingPunct="1">
+    <a:lvl2pPr marL="457200" algn="l" defTabSz="457200" rtl="0" eaLnBrk="1" latinLnBrk="0" hangingPunct="1">
       <a:defRPr sz="1800" kern="1200">
         <a:solidFill>
           <a:schemeClr val="tx1"/>
@@ -33,7 +33,7 @@
         <a:cs typeface="+mn-cs"/>
       </a:defRPr>
     </a:lvl2pPr>
-    <a:lvl3pPr marL="914400" algn="l" defTabSz="914400" rtl="0" eaLnBrk="1" latinLnBrk="0" hangingPunct="1">
+    <a:lvl3pPr marL="914400" algn="l" defTabSz="457200" rtl="0" eaLnBrk="1" latinLnBrk="0" hangingPunct="1">
       <a:defRPr sz="1800" kern="1200">
         <a:solidFill>
           <a:schemeClr val="tx1"/>
@@ -43,7 +43,7 @@
         <a:cs typeface="+mn-cs"/>
       </a:defRPr>
     </a:lvl3pPr>
-    <a:lvl4pPr marL="1371600" algn="l" defTabSz="914400" rtl="0" eaLnBrk="1" latinLnBrk="0" hangingPunct="1">
+    <a:lvl4pPr marL="1371600" algn="l" defTabSz="457200" rtl="0" eaLnBrk="1" latinLnBrk="0" hangingPunct="1">
       <a:defRPr sz="1800" kern="1200">
         <a:solidFill>
           <a:schemeClr val="tx1"/>
@@ -53,7 +53,7 @@
         <a:cs typeface="+mn-cs"/>
       </a:defRPr>
     </a:lvl4pPr>
-    <a:lvl5pPr marL="1828800" algn="l" defTabSz="914400" rtl="0" eaLnBrk="1" latinLnBrk="0" hangingPunct="1">
+    <a:lvl5pPr marL="1828800" algn="l" defTabSz="457200" rtl="0" eaLnBrk="1" latinLnBrk="0" hangingPunct="1">
       <a:defRPr sz="1800" kern="1200">
         <a:solidFill>
           <a:schemeClr val="tx1"/>
@@ -63,7 +63,7 @@
         <a:cs typeface="+mn-cs"/>
       </a:defRPr>
     </a:lvl5pPr>
-    <a:lvl6pPr marL="2286000" algn="l" defTabSz="914400" rtl="0" eaLnBrk="1" latinLnBrk="0" hangingPunct="1">
+    <a:lvl6pPr marL="2286000" algn="l" defTabSz="457200" rtl="0" eaLnBrk="1" latinLnBrk="0" hangingPunct="1">
       <a:defRPr sz="1800" kern="1200">
         <a:solidFill>
           <a:schemeClr val="tx1"/>
@@ -73,7 +73,7 @@
         <a:cs typeface="+mn-cs"/>
       </a:defRPr>
     </a:lvl6pPr>
-    <a:lvl7pPr marL="2743200" algn="l" defTabSz="914400" rtl="0" eaLnBrk="1" latinLnBrk="0" hangingPunct="1">
+    <a:lvl7pPr marL="2743200" algn="l" defTabSz="457200" rtl="0" eaLnBrk="1" latinLnBrk="0" hangingPunct="1">
       <a:defRPr sz="1800" kern="1200">
         <a:solidFill>
           <a:schemeClr val="tx1"/>
@@ -83,7 +83,7 @@
         <a:cs typeface="+mn-cs"/>
       </a:defRPr>
     </a:lvl7pPr>
-    <a:lvl8pPr marL="3200400" algn="l" defTabSz="914400" rtl="0" eaLnBrk="1" latinLnBrk="0" hangingPunct="1">
+    <a:lvl8pPr marL="3200400" algn="l" defTabSz="457200" rtl="0" eaLnBrk="1" latinLnBrk="0" hangingPunct="1">
       <a:defRPr sz="1800" kern="1200">
         <a:solidFill>
           <a:schemeClr val="tx1"/>
@@ -93,7 +93,7 @@
         <a:cs typeface="+mn-cs"/>
       </a:defRPr>
     </a:lvl8pPr>
-    <a:lvl9pPr marL="3657600" algn="l" defTabSz="914400" rtl="0" eaLnBrk="1" latinLnBrk="0" hangingPunct="1">
+    <a:lvl9pPr marL="3657600" algn="l" defTabSz="457200" rtl="0" eaLnBrk="1" latinLnBrk="0" hangingPunct="1">
       <a:defRPr sz="1800" kern="1200">
         <a:solidFill>
           <a:schemeClr val="tx1"/>
@@ -104,6 +104,11 @@
       </a:defRPr>
     </a:lvl9pPr>
   </p:defaultTextStyle>
+  <p:extLst>
+    <p:ext uri="{EFAFB233-063F-42B5-8137-9DF3F51BA10A}">
+      <p15:sldGuideLst xmlns:p15="http://schemas.microsoft.com/office/powerpoint/2012/main"/>
+    </p:ext>
+  </p:extLst>
 </p:presentation>
 </file>
 
@@ -126,13 +131,7 @@
       </p:grpSpPr>
       <p:sp>
         <p:nvSpPr>
-          <p:cNvPr id="2" name="Title 1">
-            <a:extLst>
-              <a:ext uri="{FF2B5EF4-FFF2-40B4-BE49-F238E27FC236}">
-                <a16:creationId xmlns:a16="http://schemas.microsoft.com/office/drawing/2014/main" id="{0CCB60DB-37FA-207C-35AC-E8998CCD5712}"/>
-              </a:ext>
-            </a:extLst>
-          </p:cNvPr>
+          <p:cNvPr id="2" name="Title 1"/>
           <p:cNvSpPr>
             <a:spLocks noGrp="1"/>
           </p:cNvSpPr>
@@ -142,8 +141,8 @@
         </p:nvSpPr>
         <p:spPr>
           <a:xfrm>
-            <a:off x="1524000" y="1122363"/>
-            <a:ext cx="9144000" cy="2387600"/>
+            <a:off x="685800" y="1122364"/>
+            <a:ext cx="7772400" cy="2387600"/>
           </a:xfrm>
         </p:spPr>
         <p:txBody>
@@ -158,19 +157,13 @@
               <a:rPr lang="en-US"/>
               <a:t>Click to edit Master title style</a:t>
             </a:r>
-            <a:endParaRPr lang="en-CA"/>
-          </a:p>
-        </p:txBody>
-      </p:sp>
-      <p:sp>
-        <p:nvSpPr>
-          <p:cNvPr id="3" name="Subtitle 2">
-            <a:extLst>
-              <a:ext uri="{FF2B5EF4-FFF2-40B4-BE49-F238E27FC236}">
-                <a16:creationId xmlns:a16="http://schemas.microsoft.com/office/drawing/2014/main" id="{E1A6CA49-D021-D5F0-84D1-EC15D332D611}"/>
-              </a:ext>
-            </a:extLst>
-          </p:cNvPr>
+            <a:endParaRPr lang="en-US" dirty="0"/>
+          </a:p>
+        </p:txBody>
+      </p:sp>
+      <p:sp>
+        <p:nvSpPr>
+          <p:cNvPr id="3" name="Subtitle 2"/>
           <p:cNvSpPr>
             <a:spLocks noGrp="1"/>
           </p:cNvSpPr>
@@ -180,8 +173,8 @@
         </p:nvSpPr>
         <p:spPr>
           <a:xfrm>
-            <a:off x="1524000" y="3602038"/>
-            <a:ext cx="9144000" cy="1655762"/>
+            <a:off x="1143000" y="3602038"/>
+            <a:ext cx="6858000" cy="1655762"/>
           </a:xfrm>
         </p:spPr>
         <p:txBody>
@@ -191,35 +184,35 @@
               <a:buNone/>
               <a:defRPr sz="2400"/>
             </a:lvl1pPr>
-            <a:lvl2pPr marL="457200" indent="0" algn="ctr">
+            <a:lvl2pPr marL="457178" indent="0" algn="ctr">
               <a:buNone/>
               <a:defRPr sz="2000"/>
             </a:lvl2pPr>
-            <a:lvl3pPr marL="914400" indent="0" algn="ctr">
+            <a:lvl3pPr marL="914356" indent="0" algn="ctr">
               <a:buNone/>
               <a:defRPr sz="1800"/>
             </a:lvl3pPr>
-            <a:lvl4pPr marL="1371600" indent="0" algn="ctr">
+            <a:lvl4pPr marL="1371532" indent="0" algn="ctr">
               <a:buNone/>
               <a:defRPr sz="1600"/>
             </a:lvl4pPr>
-            <a:lvl5pPr marL="1828800" indent="0" algn="ctr">
+            <a:lvl5pPr marL="1828709" indent="0" algn="ctr">
               <a:buNone/>
               <a:defRPr sz="1600"/>
             </a:lvl5pPr>
-            <a:lvl6pPr marL="2286000" indent="0" algn="ctr">
+            <a:lvl6pPr marL="2285886" indent="0" algn="ctr">
               <a:buNone/>
               <a:defRPr sz="1600"/>
             </a:lvl6pPr>
-            <a:lvl7pPr marL="2743200" indent="0" algn="ctr">
+            <a:lvl7pPr marL="2743063" indent="0" algn="ctr">
               <a:buNone/>
               <a:defRPr sz="1600"/>
             </a:lvl7pPr>
-            <a:lvl8pPr marL="3200400" indent="0" algn="ctr">
+            <a:lvl8pPr marL="3200240" indent="0" algn="ctr">
               <a:buNone/>
               <a:defRPr sz="1600"/>
             </a:lvl8pPr>
-            <a:lvl9pPr marL="3657600" indent="0" algn="ctr">
+            <a:lvl9pPr marL="3657418" indent="0" algn="ctr">
               <a:buNone/>
               <a:defRPr sz="1600"/>
             </a:lvl9pPr>
@@ -229,19 +222,13 @@
               <a:rPr lang="en-US"/>
               <a:t>Click to edit Master subtitle style</a:t>
             </a:r>
-            <a:endParaRPr lang="en-CA"/>
-          </a:p>
-        </p:txBody>
-      </p:sp>
-      <p:sp>
-        <p:nvSpPr>
-          <p:cNvPr id="4" name="Date Placeholder 3">
-            <a:extLst>
-              <a:ext uri="{FF2B5EF4-FFF2-40B4-BE49-F238E27FC236}">
-                <a16:creationId xmlns:a16="http://schemas.microsoft.com/office/drawing/2014/main" id="{A5438537-BA74-A09D-0178-F20B3002D8DE}"/>
-              </a:ext>
-            </a:extLst>
-          </p:cNvPr>
+            <a:endParaRPr lang="en-US" dirty="0"/>
+          </a:p>
+        </p:txBody>
+      </p:sp>
+      <p:sp>
+        <p:nvSpPr>
+          <p:cNvPr id="4" name="Date Placeholder 3"/>
           <p:cNvSpPr>
             <a:spLocks noGrp="1"/>
           </p:cNvSpPr>
@@ -264,13 +251,7 @@
       </p:sp>
       <p:sp>
         <p:nvSpPr>
-          <p:cNvPr id="5" name="Footer Placeholder 4">
-            <a:extLst>
-              <a:ext uri="{FF2B5EF4-FFF2-40B4-BE49-F238E27FC236}">
-                <a16:creationId xmlns:a16="http://schemas.microsoft.com/office/drawing/2014/main" id="{DB248359-EDB1-0909-850A-CD741B2E417B}"/>
-              </a:ext>
-            </a:extLst>
-          </p:cNvPr>
+          <p:cNvPr id="5" name="Footer Placeholder 4"/>
           <p:cNvSpPr>
             <a:spLocks noGrp="1"/>
           </p:cNvSpPr>
@@ -289,13 +270,7 @@
       </p:sp>
       <p:sp>
         <p:nvSpPr>
-          <p:cNvPr id="6" name="Slide Number Placeholder 5">
-            <a:extLst>
-              <a:ext uri="{FF2B5EF4-FFF2-40B4-BE49-F238E27FC236}">
-                <a16:creationId xmlns:a16="http://schemas.microsoft.com/office/drawing/2014/main" id="{B5A627C6-ADF3-EEB7-C4E4-1FA811F611C8}"/>
-              </a:ext>
-            </a:extLst>
-          </p:cNvPr>
+          <p:cNvPr id="6" name="Slide Number Placeholder 5"/>
           <p:cNvSpPr>
             <a:spLocks noGrp="1"/>
           </p:cNvSpPr>
@@ -319,7 +294,7 @@
     </p:spTree>
     <p:extLst>
       <p:ext uri="{BB962C8B-B14F-4D97-AF65-F5344CB8AC3E}">
-        <p14:creationId xmlns:p14="http://schemas.microsoft.com/office/powerpoint/2010/main" val="3704560216"/>
+        <p14:creationId xmlns:p14="http://schemas.microsoft.com/office/powerpoint/2010/main" val="4245347085"/>
       </p:ext>
     </p:extLst>
   </p:cSld>
@@ -348,13 +323,7 @@
       </p:grpSpPr>
       <p:sp>
         <p:nvSpPr>
-          <p:cNvPr id="2" name="Title 1">
-            <a:extLst>
-              <a:ext uri="{FF2B5EF4-FFF2-40B4-BE49-F238E27FC236}">
-                <a16:creationId xmlns:a16="http://schemas.microsoft.com/office/drawing/2014/main" id="{D1EC4C8D-AA97-9A53-581A-3F9843E755A7}"/>
-              </a:ext>
-            </a:extLst>
-          </p:cNvPr>
+          <p:cNvPr id="2" name="Title 1"/>
           <p:cNvSpPr>
             <a:spLocks noGrp="1"/>
           </p:cNvSpPr>
@@ -371,19 +340,13 @@
               <a:rPr lang="en-US"/>
               <a:t>Click to edit Master title style</a:t>
             </a:r>
-            <a:endParaRPr lang="en-CA"/>
-          </a:p>
-        </p:txBody>
-      </p:sp>
-      <p:sp>
-        <p:nvSpPr>
-          <p:cNvPr id="3" name="Vertical Text Placeholder 2">
-            <a:extLst>
-              <a:ext uri="{FF2B5EF4-FFF2-40B4-BE49-F238E27FC236}">
-                <a16:creationId xmlns:a16="http://schemas.microsoft.com/office/drawing/2014/main" id="{66F191AB-E16B-E611-A93D-852C13F012F7}"/>
-              </a:ext>
-            </a:extLst>
-          </p:cNvPr>
+            <a:endParaRPr lang="en-US" dirty="0"/>
+          </a:p>
+        </p:txBody>
+      </p:sp>
+      <p:sp>
+        <p:nvSpPr>
+          <p:cNvPr id="3" name="Vertical Text Placeholder 2"/>
           <p:cNvSpPr>
             <a:spLocks noGrp="1"/>
           </p:cNvSpPr>
@@ -429,19 +392,13 @@
               <a:rPr lang="en-US"/>
               <a:t>Fifth level</a:t>
             </a:r>
-            <a:endParaRPr lang="en-CA"/>
-          </a:p>
-        </p:txBody>
-      </p:sp>
-      <p:sp>
-        <p:nvSpPr>
-          <p:cNvPr id="4" name="Date Placeholder 3">
-            <a:extLst>
-              <a:ext uri="{FF2B5EF4-FFF2-40B4-BE49-F238E27FC236}">
-                <a16:creationId xmlns:a16="http://schemas.microsoft.com/office/drawing/2014/main" id="{4907B967-99EB-A1DB-BB0B-392DF537AD81}"/>
-              </a:ext>
-            </a:extLst>
-          </p:cNvPr>
+            <a:endParaRPr lang="en-US" dirty="0"/>
+          </a:p>
+        </p:txBody>
+      </p:sp>
+      <p:sp>
+        <p:nvSpPr>
+          <p:cNvPr id="4" name="Date Placeholder 3"/>
           <p:cNvSpPr>
             <a:spLocks noGrp="1"/>
           </p:cNvSpPr>
@@ -464,13 +421,7 @@
       </p:sp>
       <p:sp>
         <p:nvSpPr>
-          <p:cNvPr id="5" name="Footer Placeholder 4">
-            <a:extLst>
-              <a:ext uri="{FF2B5EF4-FFF2-40B4-BE49-F238E27FC236}">
-                <a16:creationId xmlns:a16="http://schemas.microsoft.com/office/drawing/2014/main" id="{D58BEB7A-2874-806F-941F-14DB8AC36575}"/>
-              </a:ext>
-            </a:extLst>
-          </p:cNvPr>
+          <p:cNvPr id="5" name="Footer Placeholder 4"/>
           <p:cNvSpPr>
             <a:spLocks noGrp="1"/>
           </p:cNvSpPr>
@@ -489,13 +440,7 @@
       </p:sp>
       <p:sp>
         <p:nvSpPr>
-          <p:cNvPr id="6" name="Slide Number Placeholder 5">
-            <a:extLst>
-              <a:ext uri="{FF2B5EF4-FFF2-40B4-BE49-F238E27FC236}">
-                <a16:creationId xmlns:a16="http://schemas.microsoft.com/office/drawing/2014/main" id="{2BB6FEF9-104F-CFCF-C6B4-2A3C2BAFA13C}"/>
-              </a:ext>
-            </a:extLst>
-          </p:cNvPr>
+          <p:cNvPr id="6" name="Slide Number Placeholder 5"/>
           <p:cNvSpPr>
             <a:spLocks noGrp="1"/>
           </p:cNvSpPr>
@@ -519,7 +464,7 @@
     </p:spTree>
     <p:extLst>
       <p:ext uri="{BB962C8B-B14F-4D97-AF65-F5344CB8AC3E}">
-        <p14:creationId xmlns:p14="http://schemas.microsoft.com/office/powerpoint/2010/main" val="189105329"/>
+        <p14:creationId xmlns:p14="http://schemas.microsoft.com/office/powerpoint/2010/main" val="1498955269"/>
       </p:ext>
     </p:extLst>
   </p:cSld>
@@ -548,13 +493,7 @@
       </p:grpSpPr>
       <p:sp>
         <p:nvSpPr>
-          <p:cNvPr id="2" name="Vertical Title 1">
-            <a:extLst>
-              <a:ext uri="{FF2B5EF4-FFF2-40B4-BE49-F238E27FC236}">
-                <a16:creationId xmlns:a16="http://schemas.microsoft.com/office/drawing/2014/main" id="{1B83A096-FA34-3CF9-57AA-E2BFB7532493}"/>
-              </a:ext>
-            </a:extLst>
-          </p:cNvPr>
+          <p:cNvPr id="2" name="Vertical Title 1"/>
           <p:cNvSpPr>
             <a:spLocks noGrp="1"/>
           </p:cNvSpPr>
@@ -564,8 +503,8 @@
         </p:nvSpPr>
         <p:spPr>
           <a:xfrm>
-            <a:off x="8724900" y="365125"/>
-            <a:ext cx="2628900" cy="5811838"/>
+            <a:off x="6543677" y="365127"/>
+            <a:ext cx="1971675" cy="5811838"/>
           </a:xfrm>
         </p:spPr>
         <p:txBody>
@@ -576,19 +515,13 @@
               <a:rPr lang="en-US"/>
               <a:t>Click to edit Master title style</a:t>
             </a:r>
-            <a:endParaRPr lang="en-CA"/>
-          </a:p>
-        </p:txBody>
-      </p:sp>
-      <p:sp>
-        <p:nvSpPr>
-          <p:cNvPr id="3" name="Vertical Text Placeholder 2">
-            <a:extLst>
-              <a:ext uri="{FF2B5EF4-FFF2-40B4-BE49-F238E27FC236}">
-                <a16:creationId xmlns:a16="http://schemas.microsoft.com/office/drawing/2014/main" id="{6E9C614F-3205-DE05-F036-2D43553C5BDE}"/>
-              </a:ext>
-            </a:extLst>
-          </p:cNvPr>
+            <a:endParaRPr lang="en-US" dirty="0"/>
+          </a:p>
+        </p:txBody>
+      </p:sp>
+      <p:sp>
+        <p:nvSpPr>
+          <p:cNvPr id="3" name="Vertical Text Placeholder 2"/>
           <p:cNvSpPr>
             <a:spLocks noGrp="1"/>
           </p:cNvSpPr>
@@ -598,8 +531,8 @@
         </p:nvSpPr>
         <p:spPr>
           <a:xfrm>
-            <a:off x="838200" y="365125"/>
-            <a:ext cx="7734300" cy="5811838"/>
+            <a:off x="628652" y="365127"/>
+            <a:ext cx="5800725" cy="5811838"/>
           </a:xfrm>
         </p:spPr>
         <p:txBody>
@@ -639,19 +572,13 @@
               <a:rPr lang="en-US"/>
               <a:t>Fifth level</a:t>
             </a:r>
-            <a:endParaRPr lang="en-CA"/>
-          </a:p>
-        </p:txBody>
-      </p:sp>
-      <p:sp>
-        <p:nvSpPr>
-          <p:cNvPr id="4" name="Date Placeholder 3">
-            <a:extLst>
-              <a:ext uri="{FF2B5EF4-FFF2-40B4-BE49-F238E27FC236}">
-                <a16:creationId xmlns:a16="http://schemas.microsoft.com/office/drawing/2014/main" id="{45B0BD9C-A2C3-06F6-0CE6-34CF637C566E}"/>
-              </a:ext>
-            </a:extLst>
-          </p:cNvPr>
+            <a:endParaRPr lang="en-US" dirty="0"/>
+          </a:p>
+        </p:txBody>
+      </p:sp>
+      <p:sp>
+        <p:nvSpPr>
+          <p:cNvPr id="4" name="Date Placeholder 3"/>
           <p:cNvSpPr>
             <a:spLocks noGrp="1"/>
           </p:cNvSpPr>
@@ -674,13 +601,7 @@
       </p:sp>
       <p:sp>
         <p:nvSpPr>
-          <p:cNvPr id="5" name="Footer Placeholder 4">
-            <a:extLst>
-              <a:ext uri="{FF2B5EF4-FFF2-40B4-BE49-F238E27FC236}">
-                <a16:creationId xmlns:a16="http://schemas.microsoft.com/office/drawing/2014/main" id="{EE9968CC-93B8-1828-BFBE-3C5333B8595E}"/>
-              </a:ext>
-            </a:extLst>
-          </p:cNvPr>
+          <p:cNvPr id="5" name="Footer Placeholder 4"/>
           <p:cNvSpPr>
             <a:spLocks noGrp="1"/>
           </p:cNvSpPr>
@@ -699,13 +620,7 @@
       </p:sp>
       <p:sp>
         <p:nvSpPr>
-          <p:cNvPr id="6" name="Slide Number Placeholder 5">
-            <a:extLst>
-              <a:ext uri="{FF2B5EF4-FFF2-40B4-BE49-F238E27FC236}">
-                <a16:creationId xmlns:a16="http://schemas.microsoft.com/office/drawing/2014/main" id="{94193A1C-E80B-AB6C-6EBA-BD0336F82C70}"/>
-              </a:ext>
-            </a:extLst>
-          </p:cNvPr>
+          <p:cNvPr id="6" name="Slide Number Placeholder 5"/>
           <p:cNvSpPr>
             <a:spLocks noGrp="1"/>
           </p:cNvSpPr>
@@ -729,7 +644,7 @@
     </p:spTree>
     <p:extLst>
       <p:ext uri="{BB962C8B-B14F-4D97-AF65-F5344CB8AC3E}">
-        <p14:creationId xmlns:p14="http://schemas.microsoft.com/office/powerpoint/2010/main" val="634975423"/>
+        <p14:creationId xmlns:p14="http://schemas.microsoft.com/office/powerpoint/2010/main" val="1794729546"/>
       </p:ext>
     </p:extLst>
   </p:cSld>
@@ -758,13 +673,7 @@
       </p:grpSpPr>
       <p:sp>
         <p:nvSpPr>
-          <p:cNvPr id="2" name="Title 1">
-            <a:extLst>
-              <a:ext uri="{FF2B5EF4-FFF2-40B4-BE49-F238E27FC236}">
-                <a16:creationId xmlns:a16="http://schemas.microsoft.com/office/drawing/2014/main" id="{FA9364BB-354E-2BBD-656E-3E896D70F477}"/>
-              </a:ext>
-            </a:extLst>
-          </p:cNvPr>
+          <p:cNvPr id="2" name="Title 1"/>
           <p:cNvSpPr>
             <a:spLocks noGrp="1"/>
           </p:cNvSpPr>
@@ -781,19 +690,13 @@
               <a:rPr lang="en-US"/>
               <a:t>Click to edit Master title style</a:t>
             </a:r>
-            <a:endParaRPr lang="en-CA"/>
-          </a:p>
-        </p:txBody>
-      </p:sp>
-      <p:sp>
-        <p:nvSpPr>
-          <p:cNvPr id="3" name="Content Placeholder 2">
-            <a:extLst>
-              <a:ext uri="{FF2B5EF4-FFF2-40B4-BE49-F238E27FC236}">
-                <a16:creationId xmlns:a16="http://schemas.microsoft.com/office/drawing/2014/main" id="{C76ABCD7-F42F-E9DF-6423-D02558693AD6}"/>
-              </a:ext>
-            </a:extLst>
-          </p:cNvPr>
+            <a:endParaRPr lang="en-US" dirty="0"/>
+          </a:p>
+        </p:txBody>
+      </p:sp>
+      <p:sp>
+        <p:nvSpPr>
+          <p:cNvPr id="3" name="Content Placeholder 2"/>
           <p:cNvSpPr>
             <a:spLocks noGrp="1"/>
           </p:cNvSpPr>
@@ -839,19 +742,13 @@
               <a:rPr lang="en-US"/>
               <a:t>Fifth level</a:t>
             </a:r>
-            <a:endParaRPr lang="en-CA"/>
-          </a:p>
-        </p:txBody>
-      </p:sp>
-      <p:sp>
-        <p:nvSpPr>
-          <p:cNvPr id="4" name="Date Placeholder 3">
-            <a:extLst>
-              <a:ext uri="{FF2B5EF4-FFF2-40B4-BE49-F238E27FC236}">
-                <a16:creationId xmlns:a16="http://schemas.microsoft.com/office/drawing/2014/main" id="{8FC8229C-0816-2BA9-F925-F9FC00469B3E}"/>
-              </a:ext>
-            </a:extLst>
-          </p:cNvPr>
+            <a:endParaRPr lang="en-US" dirty="0"/>
+          </a:p>
+        </p:txBody>
+      </p:sp>
+      <p:sp>
+        <p:nvSpPr>
+          <p:cNvPr id="4" name="Date Placeholder 3"/>
           <p:cNvSpPr>
             <a:spLocks noGrp="1"/>
           </p:cNvSpPr>
@@ -874,13 +771,7 @@
       </p:sp>
       <p:sp>
         <p:nvSpPr>
-          <p:cNvPr id="5" name="Footer Placeholder 4">
-            <a:extLst>
-              <a:ext uri="{FF2B5EF4-FFF2-40B4-BE49-F238E27FC236}">
-                <a16:creationId xmlns:a16="http://schemas.microsoft.com/office/drawing/2014/main" id="{0DE70841-E6F6-8906-06D8-694E74CF523F}"/>
-              </a:ext>
-            </a:extLst>
-          </p:cNvPr>
+          <p:cNvPr id="5" name="Footer Placeholder 4"/>
           <p:cNvSpPr>
             <a:spLocks noGrp="1"/>
           </p:cNvSpPr>
@@ -899,13 +790,7 @@
       </p:sp>
       <p:sp>
         <p:nvSpPr>
-          <p:cNvPr id="6" name="Slide Number Placeholder 5">
-            <a:extLst>
-              <a:ext uri="{FF2B5EF4-FFF2-40B4-BE49-F238E27FC236}">
-                <a16:creationId xmlns:a16="http://schemas.microsoft.com/office/drawing/2014/main" id="{93607B32-81BA-12D5-1886-396124293DE4}"/>
-              </a:ext>
-            </a:extLst>
-          </p:cNvPr>
+          <p:cNvPr id="6" name="Slide Number Placeholder 5"/>
           <p:cNvSpPr>
             <a:spLocks noGrp="1"/>
           </p:cNvSpPr>
@@ -929,7 +814,7 @@
     </p:spTree>
     <p:extLst>
       <p:ext uri="{BB962C8B-B14F-4D97-AF65-F5344CB8AC3E}">
-        <p14:creationId xmlns:p14="http://schemas.microsoft.com/office/powerpoint/2010/main" val="4151619650"/>
+        <p14:creationId xmlns:p14="http://schemas.microsoft.com/office/powerpoint/2010/main" val="415827237"/>
       </p:ext>
     </p:extLst>
   </p:cSld>
@@ -958,13 +843,7 @@
       </p:grpSpPr>
       <p:sp>
         <p:nvSpPr>
-          <p:cNvPr id="2" name="Title 1">
-            <a:extLst>
-              <a:ext uri="{FF2B5EF4-FFF2-40B4-BE49-F238E27FC236}">
-                <a16:creationId xmlns:a16="http://schemas.microsoft.com/office/drawing/2014/main" id="{39F0A89B-2D99-8AB2-D83C-A6A6BAF80E9E}"/>
-              </a:ext>
-            </a:extLst>
-          </p:cNvPr>
+          <p:cNvPr id="2" name="Title 1"/>
           <p:cNvSpPr>
             <a:spLocks noGrp="1"/>
           </p:cNvSpPr>
@@ -974,8 +853,8 @@
         </p:nvSpPr>
         <p:spPr>
           <a:xfrm>
-            <a:off x="831850" y="1709738"/>
-            <a:ext cx="10515600" cy="2852737"/>
+            <a:off x="623890" y="1709741"/>
+            <a:ext cx="7886700" cy="2852737"/>
           </a:xfrm>
         </p:spPr>
         <p:txBody>
@@ -990,19 +869,13 @@
               <a:rPr lang="en-US"/>
               <a:t>Click to edit Master title style</a:t>
             </a:r>
-            <a:endParaRPr lang="en-CA"/>
-          </a:p>
-        </p:txBody>
-      </p:sp>
-      <p:sp>
-        <p:nvSpPr>
-          <p:cNvPr id="3" name="Text Placeholder 2">
-            <a:extLst>
-              <a:ext uri="{FF2B5EF4-FFF2-40B4-BE49-F238E27FC236}">
-                <a16:creationId xmlns:a16="http://schemas.microsoft.com/office/drawing/2014/main" id="{749D223C-2276-EC08-C7F7-84603B329405}"/>
-              </a:ext>
-            </a:extLst>
-          </p:cNvPr>
+            <a:endParaRPr lang="en-US" dirty="0"/>
+          </a:p>
+        </p:txBody>
+      </p:sp>
+      <p:sp>
+        <p:nvSpPr>
+          <p:cNvPr id="3" name="Text Placeholder 2"/>
           <p:cNvSpPr>
             <a:spLocks noGrp="1"/>
           </p:cNvSpPr>
@@ -1012,8 +885,8 @@
         </p:nvSpPr>
         <p:spPr>
           <a:xfrm>
-            <a:off x="831850" y="4589463"/>
-            <a:ext cx="10515600" cy="1500187"/>
+            <a:off x="623890" y="4589466"/>
+            <a:ext cx="7886700" cy="1500187"/>
           </a:xfrm>
         </p:spPr>
         <p:txBody>
@@ -1023,13 +896,11 @@
               <a:buNone/>
               <a:defRPr sz="2400">
                 <a:solidFill>
-                  <a:schemeClr val="tx1">
-                    <a:tint val="75000"/>
-                  </a:schemeClr>
+                  <a:schemeClr val="tx1"/>
                 </a:solidFill>
               </a:defRPr>
             </a:lvl1pPr>
-            <a:lvl2pPr marL="457200" indent="0">
+            <a:lvl2pPr marL="457178" indent="0">
               <a:buNone/>
               <a:defRPr sz="2000">
                 <a:solidFill>
@@ -1039,7 +910,7 @@
                 </a:solidFill>
               </a:defRPr>
             </a:lvl2pPr>
-            <a:lvl3pPr marL="914400" indent="0">
+            <a:lvl3pPr marL="914356" indent="0">
               <a:buNone/>
               <a:defRPr sz="1800">
                 <a:solidFill>
@@ -1049,7 +920,7 @@
                 </a:solidFill>
               </a:defRPr>
             </a:lvl3pPr>
-            <a:lvl4pPr marL="1371600" indent="0">
+            <a:lvl4pPr marL="1371532" indent="0">
               <a:buNone/>
               <a:defRPr sz="1600">
                 <a:solidFill>
@@ -1059,7 +930,7 @@
                 </a:solidFill>
               </a:defRPr>
             </a:lvl4pPr>
-            <a:lvl5pPr marL="1828800" indent="0">
+            <a:lvl5pPr marL="1828709" indent="0">
               <a:buNone/>
               <a:defRPr sz="1600">
                 <a:solidFill>
@@ -1069,7 +940,7 @@
                 </a:solidFill>
               </a:defRPr>
             </a:lvl5pPr>
-            <a:lvl6pPr marL="2286000" indent="0">
+            <a:lvl6pPr marL="2285886" indent="0">
               <a:buNone/>
               <a:defRPr sz="1600">
                 <a:solidFill>
@@ -1079,7 +950,7 @@
                 </a:solidFill>
               </a:defRPr>
             </a:lvl6pPr>
-            <a:lvl7pPr marL="2743200" indent="0">
+            <a:lvl7pPr marL="2743063" indent="0">
               <a:buNone/>
               <a:defRPr sz="1600">
                 <a:solidFill>
@@ -1089,7 +960,7 @@
                 </a:solidFill>
               </a:defRPr>
             </a:lvl7pPr>
-            <a:lvl8pPr marL="3200400" indent="0">
+            <a:lvl8pPr marL="3200240" indent="0">
               <a:buNone/>
               <a:defRPr sz="1600">
                 <a:solidFill>
@@ -1099,7 +970,7 @@
                 </a:solidFill>
               </a:defRPr>
             </a:lvl8pPr>
-            <a:lvl9pPr marL="3657600" indent="0">
+            <a:lvl9pPr marL="3657418" indent="0">
               <a:buNone/>
               <a:defRPr sz="1600">
                 <a:solidFill>
@@ -1121,13 +992,7 @@
       </p:sp>
       <p:sp>
         <p:nvSpPr>
-          <p:cNvPr id="4" name="Date Placeholder 3">
-            <a:extLst>
-              <a:ext uri="{FF2B5EF4-FFF2-40B4-BE49-F238E27FC236}">
-                <a16:creationId xmlns:a16="http://schemas.microsoft.com/office/drawing/2014/main" id="{5FDA48FC-54EA-059A-5F63-0921D7FE5A80}"/>
-              </a:ext>
-            </a:extLst>
-          </p:cNvPr>
+          <p:cNvPr id="4" name="Date Placeholder 3"/>
           <p:cNvSpPr>
             <a:spLocks noGrp="1"/>
           </p:cNvSpPr>
@@ -1150,13 +1015,7 @@
       </p:sp>
       <p:sp>
         <p:nvSpPr>
-          <p:cNvPr id="5" name="Footer Placeholder 4">
-            <a:extLst>
-              <a:ext uri="{FF2B5EF4-FFF2-40B4-BE49-F238E27FC236}">
-                <a16:creationId xmlns:a16="http://schemas.microsoft.com/office/drawing/2014/main" id="{F8BC9072-3652-B97A-855B-ED36A08B8ED6}"/>
-              </a:ext>
-            </a:extLst>
-          </p:cNvPr>
+          <p:cNvPr id="5" name="Footer Placeholder 4"/>
           <p:cNvSpPr>
             <a:spLocks noGrp="1"/>
           </p:cNvSpPr>
@@ -1175,13 +1034,7 @@
       </p:sp>
       <p:sp>
         <p:nvSpPr>
-          <p:cNvPr id="6" name="Slide Number Placeholder 5">
-            <a:extLst>
-              <a:ext uri="{FF2B5EF4-FFF2-40B4-BE49-F238E27FC236}">
-                <a16:creationId xmlns:a16="http://schemas.microsoft.com/office/drawing/2014/main" id="{DD269551-1932-295E-F633-6BA4993BB373}"/>
-              </a:ext>
-            </a:extLst>
-          </p:cNvPr>
+          <p:cNvPr id="6" name="Slide Number Placeholder 5"/>
           <p:cNvSpPr>
             <a:spLocks noGrp="1"/>
           </p:cNvSpPr>
@@ -1205,7 +1058,7 @@
     </p:spTree>
     <p:extLst>
       <p:ext uri="{BB962C8B-B14F-4D97-AF65-F5344CB8AC3E}">
-        <p14:creationId xmlns:p14="http://schemas.microsoft.com/office/powerpoint/2010/main" val="2403457270"/>
+        <p14:creationId xmlns:p14="http://schemas.microsoft.com/office/powerpoint/2010/main" val="88634623"/>
       </p:ext>
     </p:extLst>
   </p:cSld>
@@ -1234,13 +1087,7 @@
       </p:grpSpPr>
       <p:sp>
         <p:nvSpPr>
-          <p:cNvPr id="2" name="Title 1">
-            <a:extLst>
-              <a:ext uri="{FF2B5EF4-FFF2-40B4-BE49-F238E27FC236}">
-                <a16:creationId xmlns:a16="http://schemas.microsoft.com/office/drawing/2014/main" id="{546A6BD6-1C91-4ABC-4A50-0FE75288FF58}"/>
-              </a:ext>
-            </a:extLst>
-          </p:cNvPr>
+          <p:cNvPr id="2" name="Title 1"/>
           <p:cNvSpPr>
             <a:spLocks noGrp="1"/>
           </p:cNvSpPr>
@@ -1257,19 +1104,13 @@
               <a:rPr lang="en-US"/>
               <a:t>Click to edit Master title style</a:t>
             </a:r>
-            <a:endParaRPr lang="en-CA"/>
-          </a:p>
-        </p:txBody>
-      </p:sp>
-      <p:sp>
-        <p:nvSpPr>
-          <p:cNvPr id="3" name="Content Placeholder 2">
-            <a:extLst>
-              <a:ext uri="{FF2B5EF4-FFF2-40B4-BE49-F238E27FC236}">
-                <a16:creationId xmlns:a16="http://schemas.microsoft.com/office/drawing/2014/main" id="{FBF61D44-4D37-24E5-FC11-827D39A6B1A4}"/>
-              </a:ext>
-            </a:extLst>
-          </p:cNvPr>
+            <a:endParaRPr lang="en-US" dirty="0"/>
+          </a:p>
+        </p:txBody>
+      </p:sp>
+      <p:sp>
+        <p:nvSpPr>
+          <p:cNvPr id="3" name="Content Placeholder 2"/>
           <p:cNvSpPr>
             <a:spLocks noGrp="1"/>
           </p:cNvSpPr>
@@ -1279,8 +1120,8 @@
         </p:nvSpPr>
         <p:spPr>
           <a:xfrm>
-            <a:off x="838200" y="1825625"/>
-            <a:ext cx="5181600" cy="4351338"/>
+            <a:off x="628651" y="1825625"/>
+            <a:ext cx="3886200" cy="4351338"/>
           </a:xfrm>
         </p:spPr>
         <p:txBody>
@@ -1320,19 +1161,13 @@
               <a:rPr lang="en-US"/>
               <a:t>Fifth level</a:t>
             </a:r>
-            <a:endParaRPr lang="en-CA"/>
-          </a:p>
-        </p:txBody>
-      </p:sp>
-      <p:sp>
-        <p:nvSpPr>
-          <p:cNvPr id="4" name="Content Placeholder 3">
-            <a:extLst>
-              <a:ext uri="{FF2B5EF4-FFF2-40B4-BE49-F238E27FC236}">
-                <a16:creationId xmlns:a16="http://schemas.microsoft.com/office/drawing/2014/main" id="{37962722-CF08-8365-BDE0-71DB20A28F46}"/>
-              </a:ext>
-            </a:extLst>
-          </p:cNvPr>
+            <a:endParaRPr lang="en-US" dirty="0"/>
+          </a:p>
+        </p:txBody>
+      </p:sp>
+      <p:sp>
+        <p:nvSpPr>
+          <p:cNvPr id="4" name="Content Placeholder 3"/>
           <p:cNvSpPr>
             <a:spLocks noGrp="1"/>
           </p:cNvSpPr>
@@ -1342,8 +1177,8 @@
         </p:nvSpPr>
         <p:spPr>
           <a:xfrm>
-            <a:off x="6172200" y="1825625"/>
-            <a:ext cx="5181600" cy="4351338"/>
+            <a:off x="4629151" y="1825625"/>
+            <a:ext cx="3886200" cy="4351338"/>
           </a:xfrm>
         </p:spPr>
         <p:txBody>
@@ -1383,19 +1218,13 @@
               <a:rPr lang="en-US"/>
               <a:t>Fifth level</a:t>
             </a:r>
-            <a:endParaRPr lang="en-CA"/>
-          </a:p>
-        </p:txBody>
-      </p:sp>
-      <p:sp>
-        <p:nvSpPr>
-          <p:cNvPr id="5" name="Date Placeholder 4">
-            <a:extLst>
-              <a:ext uri="{FF2B5EF4-FFF2-40B4-BE49-F238E27FC236}">
-                <a16:creationId xmlns:a16="http://schemas.microsoft.com/office/drawing/2014/main" id="{9BDAA154-EC20-DF28-2E56-C2C17AFED4D4}"/>
-              </a:ext>
-            </a:extLst>
-          </p:cNvPr>
+            <a:endParaRPr lang="en-US" dirty="0"/>
+          </a:p>
+        </p:txBody>
+      </p:sp>
+      <p:sp>
+        <p:nvSpPr>
+          <p:cNvPr id="5" name="Date Placeholder 4"/>
           <p:cNvSpPr>
             <a:spLocks noGrp="1"/>
           </p:cNvSpPr>
@@ -1418,13 +1247,7 @@
       </p:sp>
       <p:sp>
         <p:nvSpPr>
-          <p:cNvPr id="6" name="Footer Placeholder 5">
-            <a:extLst>
-              <a:ext uri="{FF2B5EF4-FFF2-40B4-BE49-F238E27FC236}">
-                <a16:creationId xmlns:a16="http://schemas.microsoft.com/office/drawing/2014/main" id="{ED44FC28-D59B-EB81-6562-1B9E5E06F822}"/>
-              </a:ext>
-            </a:extLst>
-          </p:cNvPr>
+          <p:cNvPr id="6" name="Footer Placeholder 5"/>
           <p:cNvSpPr>
             <a:spLocks noGrp="1"/>
           </p:cNvSpPr>
@@ -1443,13 +1266,7 @@
       </p:sp>
       <p:sp>
         <p:nvSpPr>
-          <p:cNvPr id="7" name="Slide Number Placeholder 6">
-            <a:extLst>
-              <a:ext uri="{FF2B5EF4-FFF2-40B4-BE49-F238E27FC236}">
-                <a16:creationId xmlns:a16="http://schemas.microsoft.com/office/drawing/2014/main" id="{B41B40A3-8F1B-C913-BDF0-8EADB2036EFD}"/>
-              </a:ext>
-            </a:extLst>
-          </p:cNvPr>
+          <p:cNvPr id="7" name="Slide Number Placeholder 6"/>
           <p:cNvSpPr>
             <a:spLocks noGrp="1"/>
           </p:cNvSpPr>
@@ -1473,7 +1290,7 @@
     </p:spTree>
     <p:extLst>
       <p:ext uri="{BB962C8B-B14F-4D97-AF65-F5344CB8AC3E}">
-        <p14:creationId xmlns:p14="http://schemas.microsoft.com/office/powerpoint/2010/main" val="4271506602"/>
+        <p14:creationId xmlns:p14="http://schemas.microsoft.com/office/powerpoint/2010/main" val="4028258708"/>
       </p:ext>
     </p:extLst>
   </p:cSld>
@@ -1502,13 +1319,7 @@
       </p:grpSpPr>
       <p:sp>
         <p:nvSpPr>
-          <p:cNvPr id="2" name="Title 1">
-            <a:extLst>
-              <a:ext uri="{FF2B5EF4-FFF2-40B4-BE49-F238E27FC236}">
-                <a16:creationId xmlns:a16="http://schemas.microsoft.com/office/drawing/2014/main" id="{F5630C67-4F47-5030-767A-4AE0C9D95372}"/>
-              </a:ext>
-            </a:extLst>
-          </p:cNvPr>
+          <p:cNvPr id="2" name="Title 1"/>
           <p:cNvSpPr>
             <a:spLocks noGrp="1"/>
           </p:cNvSpPr>
@@ -1518,8 +1329,8 @@
         </p:nvSpPr>
         <p:spPr>
           <a:xfrm>
-            <a:off x="839788" y="365125"/>
-            <a:ext cx="10515600" cy="1325563"/>
+            <a:off x="629843" y="365128"/>
+            <a:ext cx="7886700" cy="1325563"/>
           </a:xfrm>
         </p:spPr>
         <p:txBody>
@@ -1530,19 +1341,13 @@
               <a:rPr lang="en-US"/>
               <a:t>Click to edit Master title style</a:t>
             </a:r>
-            <a:endParaRPr lang="en-CA"/>
-          </a:p>
-        </p:txBody>
-      </p:sp>
-      <p:sp>
-        <p:nvSpPr>
-          <p:cNvPr id="3" name="Text Placeholder 2">
-            <a:extLst>
-              <a:ext uri="{FF2B5EF4-FFF2-40B4-BE49-F238E27FC236}">
-                <a16:creationId xmlns:a16="http://schemas.microsoft.com/office/drawing/2014/main" id="{B99B9EB7-273C-6DC2-DD1C-C64741E8F9E0}"/>
-              </a:ext>
-            </a:extLst>
-          </p:cNvPr>
+            <a:endParaRPr lang="en-US" dirty="0"/>
+          </a:p>
+        </p:txBody>
+      </p:sp>
+      <p:sp>
+        <p:nvSpPr>
+          <p:cNvPr id="3" name="Text Placeholder 2"/>
           <p:cNvSpPr>
             <a:spLocks noGrp="1"/>
           </p:cNvSpPr>
@@ -1552,8 +1357,8 @@
         </p:nvSpPr>
         <p:spPr>
           <a:xfrm>
-            <a:off x="839788" y="1681163"/>
-            <a:ext cx="5157787" cy="823912"/>
+            <a:off x="629842" y="1681164"/>
+            <a:ext cx="3868340" cy="823912"/>
           </a:xfrm>
         </p:spPr>
         <p:txBody>
@@ -1563,35 +1368,35 @@
               <a:buNone/>
               <a:defRPr sz="2400" b="1"/>
             </a:lvl1pPr>
-            <a:lvl2pPr marL="457200" indent="0">
+            <a:lvl2pPr marL="457178" indent="0">
               <a:buNone/>
               <a:defRPr sz="2000" b="1"/>
             </a:lvl2pPr>
-            <a:lvl3pPr marL="914400" indent="0">
+            <a:lvl3pPr marL="914356" indent="0">
               <a:buNone/>
               <a:defRPr sz="1800" b="1"/>
             </a:lvl3pPr>
-            <a:lvl4pPr marL="1371600" indent="0">
+            <a:lvl4pPr marL="1371532" indent="0">
               <a:buNone/>
               <a:defRPr sz="1600" b="1"/>
             </a:lvl4pPr>
-            <a:lvl5pPr marL="1828800" indent="0">
+            <a:lvl5pPr marL="1828709" indent="0">
               <a:buNone/>
               <a:defRPr sz="1600" b="1"/>
             </a:lvl5pPr>
-            <a:lvl6pPr marL="2286000" indent="0">
+            <a:lvl6pPr marL="2285886" indent="0">
               <a:buNone/>
               <a:defRPr sz="1600" b="1"/>
             </a:lvl6pPr>
-            <a:lvl7pPr marL="2743200" indent="0">
+            <a:lvl7pPr marL="2743063" indent="0">
               <a:buNone/>
               <a:defRPr sz="1600" b="1"/>
             </a:lvl7pPr>
-            <a:lvl8pPr marL="3200400" indent="0">
+            <a:lvl8pPr marL="3200240" indent="0">
               <a:buNone/>
               <a:defRPr sz="1600" b="1"/>
             </a:lvl8pPr>
-            <a:lvl9pPr marL="3657600" indent="0">
+            <a:lvl9pPr marL="3657418" indent="0">
               <a:buNone/>
               <a:defRPr sz="1600" b="1"/>
             </a:lvl9pPr>
@@ -1607,13 +1412,7 @@
       </p:sp>
       <p:sp>
         <p:nvSpPr>
-          <p:cNvPr id="4" name="Content Placeholder 3">
-            <a:extLst>
-              <a:ext uri="{FF2B5EF4-FFF2-40B4-BE49-F238E27FC236}">
-                <a16:creationId xmlns:a16="http://schemas.microsoft.com/office/drawing/2014/main" id="{9E279D51-1ABA-71A1-BDBD-06BD7E2F1445}"/>
-              </a:ext>
-            </a:extLst>
-          </p:cNvPr>
+          <p:cNvPr id="4" name="Content Placeholder 3"/>
           <p:cNvSpPr>
             <a:spLocks noGrp="1"/>
           </p:cNvSpPr>
@@ -1623,8 +1422,8 @@
         </p:nvSpPr>
         <p:spPr>
           <a:xfrm>
-            <a:off x="839788" y="2505075"/>
-            <a:ext cx="5157787" cy="3684588"/>
+            <a:off x="629842" y="2505075"/>
+            <a:ext cx="3868340" cy="3684588"/>
           </a:xfrm>
         </p:spPr>
         <p:txBody>
@@ -1664,19 +1463,13 @@
               <a:rPr lang="en-US"/>
               <a:t>Fifth level</a:t>
             </a:r>
-            <a:endParaRPr lang="en-CA"/>
-          </a:p>
-        </p:txBody>
-      </p:sp>
-      <p:sp>
-        <p:nvSpPr>
-          <p:cNvPr id="5" name="Text Placeholder 4">
-            <a:extLst>
-              <a:ext uri="{FF2B5EF4-FFF2-40B4-BE49-F238E27FC236}">
-                <a16:creationId xmlns:a16="http://schemas.microsoft.com/office/drawing/2014/main" id="{37324EE2-33D0-CC8F-F686-88FF1C4896D2}"/>
-              </a:ext>
-            </a:extLst>
-          </p:cNvPr>
+            <a:endParaRPr lang="en-US" dirty="0"/>
+          </a:p>
+        </p:txBody>
+      </p:sp>
+      <p:sp>
+        <p:nvSpPr>
+          <p:cNvPr id="5" name="Text Placeholder 4"/>
           <p:cNvSpPr>
             <a:spLocks noGrp="1"/>
           </p:cNvSpPr>
@@ -1686,8 +1479,8 @@
         </p:nvSpPr>
         <p:spPr>
           <a:xfrm>
-            <a:off x="6172200" y="1681163"/>
-            <a:ext cx="5183188" cy="823912"/>
+            <a:off x="4629153" y="1681164"/>
+            <a:ext cx="3887391" cy="823912"/>
           </a:xfrm>
         </p:spPr>
         <p:txBody>
@@ -1697,35 +1490,35 @@
               <a:buNone/>
               <a:defRPr sz="2400" b="1"/>
             </a:lvl1pPr>
-            <a:lvl2pPr marL="457200" indent="0">
+            <a:lvl2pPr marL="457178" indent="0">
               <a:buNone/>
               <a:defRPr sz="2000" b="1"/>
             </a:lvl2pPr>
-            <a:lvl3pPr marL="914400" indent="0">
+            <a:lvl3pPr marL="914356" indent="0">
               <a:buNone/>
               <a:defRPr sz="1800" b="1"/>
             </a:lvl3pPr>
-            <a:lvl4pPr marL="1371600" indent="0">
+            <a:lvl4pPr marL="1371532" indent="0">
               <a:buNone/>
               <a:defRPr sz="1600" b="1"/>
             </a:lvl4pPr>
-            <a:lvl5pPr marL="1828800" indent="0">
+            <a:lvl5pPr marL="1828709" indent="0">
               <a:buNone/>
               <a:defRPr sz="1600" b="1"/>
             </a:lvl5pPr>
-            <a:lvl6pPr marL="2286000" indent="0">
+            <a:lvl6pPr marL="2285886" indent="0">
               <a:buNone/>
               <a:defRPr sz="1600" b="1"/>
             </a:lvl6pPr>
-            <a:lvl7pPr marL="2743200" indent="0">
+            <a:lvl7pPr marL="2743063" indent="0">
               <a:buNone/>
               <a:defRPr sz="1600" b="1"/>
             </a:lvl7pPr>
-            <a:lvl8pPr marL="3200400" indent="0">
+            <a:lvl8pPr marL="3200240" indent="0">
               <a:buNone/>
               <a:defRPr sz="1600" b="1"/>
             </a:lvl8pPr>
-            <a:lvl9pPr marL="3657600" indent="0">
+            <a:lvl9pPr marL="3657418" indent="0">
               <a:buNone/>
               <a:defRPr sz="1600" b="1"/>
             </a:lvl9pPr>
@@ -1741,13 +1534,7 @@
       </p:sp>
       <p:sp>
         <p:nvSpPr>
-          <p:cNvPr id="6" name="Content Placeholder 5">
-            <a:extLst>
-              <a:ext uri="{FF2B5EF4-FFF2-40B4-BE49-F238E27FC236}">
-                <a16:creationId xmlns:a16="http://schemas.microsoft.com/office/drawing/2014/main" id="{8340441A-4918-3DEA-1B99-9439FA11AFE0}"/>
-              </a:ext>
-            </a:extLst>
-          </p:cNvPr>
+          <p:cNvPr id="6" name="Content Placeholder 5"/>
           <p:cNvSpPr>
             <a:spLocks noGrp="1"/>
           </p:cNvSpPr>
@@ -1757,8 +1544,8 @@
         </p:nvSpPr>
         <p:spPr>
           <a:xfrm>
-            <a:off x="6172200" y="2505075"/>
-            <a:ext cx="5183188" cy="3684588"/>
+            <a:off x="4629153" y="2505075"/>
+            <a:ext cx="3887391" cy="3684588"/>
           </a:xfrm>
         </p:spPr>
         <p:txBody>
@@ -1798,19 +1585,13 @@
               <a:rPr lang="en-US"/>
               <a:t>Fifth level</a:t>
             </a:r>
-            <a:endParaRPr lang="en-CA"/>
-          </a:p>
-        </p:txBody>
-      </p:sp>
-      <p:sp>
-        <p:nvSpPr>
-          <p:cNvPr id="7" name="Date Placeholder 6">
-            <a:extLst>
-              <a:ext uri="{FF2B5EF4-FFF2-40B4-BE49-F238E27FC236}">
-                <a16:creationId xmlns:a16="http://schemas.microsoft.com/office/drawing/2014/main" id="{44D796F0-8322-6686-B321-311DF48AC3F9}"/>
-              </a:ext>
-            </a:extLst>
-          </p:cNvPr>
+            <a:endParaRPr lang="en-US" dirty="0"/>
+          </a:p>
+        </p:txBody>
+      </p:sp>
+      <p:sp>
+        <p:nvSpPr>
+          <p:cNvPr id="7" name="Date Placeholder 6"/>
           <p:cNvSpPr>
             <a:spLocks noGrp="1"/>
           </p:cNvSpPr>
@@ -1833,13 +1614,7 @@
       </p:sp>
       <p:sp>
         <p:nvSpPr>
-          <p:cNvPr id="8" name="Footer Placeholder 7">
-            <a:extLst>
-              <a:ext uri="{FF2B5EF4-FFF2-40B4-BE49-F238E27FC236}">
-                <a16:creationId xmlns:a16="http://schemas.microsoft.com/office/drawing/2014/main" id="{87F9F916-2101-C742-C782-E853EC5ECAF1}"/>
-              </a:ext>
-            </a:extLst>
-          </p:cNvPr>
+          <p:cNvPr id="8" name="Footer Placeholder 7"/>
           <p:cNvSpPr>
             <a:spLocks noGrp="1"/>
           </p:cNvSpPr>
@@ -1858,13 +1633,7 @@
       </p:sp>
       <p:sp>
         <p:nvSpPr>
-          <p:cNvPr id="9" name="Slide Number Placeholder 8">
-            <a:extLst>
-              <a:ext uri="{FF2B5EF4-FFF2-40B4-BE49-F238E27FC236}">
-                <a16:creationId xmlns:a16="http://schemas.microsoft.com/office/drawing/2014/main" id="{93DE3E2B-8BC7-0DAD-6600-BB132A1B848C}"/>
-              </a:ext>
-            </a:extLst>
-          </p:cNvPr>
+          <p:cNvPr id="9" name="Slide Number Placeholder 8"/>
           <p:cNvSpPr>
             <a:spLocks noGrp="1"/>
           </p:cNvSpPr>
@@ -1888,7 +1657,7 @@
     </p:spTree>
     <p:extLst>
       <p:ext uri="{BB962C8B-B14F-4D97-AF65-F5344CB8AC3E}">
-        <p14:creationId xmlns:p14="http://schemas.microsoft.com/office/powerpoint/2010/main" val="1997687672"/>
+        <p14:creationId xmlns:p14="http://schemas.microsoft.com/office/powerpoint/2010/main" val="2664327497"/>
       </p:ext>
     </p:extLst>
   </p:cSld>
@@ -1917,13 +1686,7 @@
       </p:grpSpPr>
       <p:sp>
         <p:nvSpPr>
-          <p:cNvPr id="2" name="Title 1">
-            <a:extLst>
-              <a:ext uri="{FF2B5EF4-FFF2-40B4-BE49-F238E27FC236}">
-                <a16:creationId xmlns:a16="http://schemas.microsoft.com/office/drawing/2014/main" id="{AFD50F3D-5B7B-A851-52EE-185AA9E17C21}"/>
-              </a:ext>
-            </a:extLst>
-          </p:cNvPr>
+          <p:cNvPr id="2" name="Title 1"/>
           <p:cNvSpPr>
             <a:spLocks noGrp="1"/>
           </p:cNvSpPr>
@@ -1940,19 +1703,13 @@
               <a:rPr lang="en-US"/>
               <a:t>Click to edit Master title style</a:t>
             </a:r>
-            <a:endParaRPr lang="en-CA"/>
-          </a:p>
-        </p:txBody>
-      </p:sp>
-      <p:sp>
-        <p:nvSpPr>
-          <p:cNvPr id="3" name="Date Placeholder 2">
-            <a:extLst>
-              <a:ext uri="{FF2B5EF4-FFF2-40B4-BE49-F238E27FC236}">
-                <a16:creationId xmlns:a16="http://schemas.microsoft.com/office/drawing/2014/main" id="{4A6EE3A1-8A00-C4DB-B7FA-391B60CB9B7C}"/>
-              </a:ext>
-            </a:extLst>
-          </p:cNvPr>
+            <a:endParaRPr lang="en-US" dirty="0"/>
+          </a:p>
+        </p:txBody>
+      </p:sp>
+      <p:sp>
+        <p:nvSpPr>
+          <p:cNvPr id="3" name="Date Placeholder 2"/>
           <p:cNvSpPr>
             <a:spLocks noGrp="1"/>
           </p:cNvSpPr>
@@ -1975,13 +1732,7 @@
       </p:sp>
       <p:sp>
         <p:nvSpPr>
-          <p:cNvPr id="4" name="Footer Placeholder 3">
-            <a:extLst>
-              <a:ext uri="{FF2B5EF4-FFF2-40B4-BE49-F238E27FC236}">
-                <a16:creationId xmlns:a16="http://schemas.microsoft.com/office/drawing/2014/main" id="{7574744F-8B41-6366-FB32-98A13019BA49}"/>
-              </a:ext>
-            </a:extLst>
-          </p:cNvPr>
+          <p:cNvPr id="4" name="Footer Placeholder 3"/>
           <p:cNvSpPr>
             <a:spLocks noGrp="1"/>
           </p:cNvSpPr>
@@ -2000,13 +1751,7 @@
       </p:sp>
       <p:sp>
         <p:nvSpPr>
-          <p:cNvPr id="5" name="Slide Number Placeholder 4">
-            <a:extLst>
-              <a:ext uri="{FF2B5EF4-FFF2-40B4-BE49-F238E27FC236}">
-                <a16:creationId xmlns:a16="http://schemas.microsoft.com/office/drawing/2014/main" id="{291C750C-EDE4-9963-8ED9-201ACF0773F4}"/>
-              </a:ext>
-            </a:extLst>
-          </p:cNvPr>
+          <p:cNvPr id="5" name="Slide Number Placeholder 4"/>
           <p:cNvSpPr>
             <a:spLocks noGrp="1"/>
           </p:cNvSpPr>
@@ -2030,7 +1775,7 @@
     </p:spTree>
     <p:extLst>
       <p:ext uri="{BB962C8B-B14F-4D97-AF65-F5344CB8AC3E}">
-        <p14:creationId xmlns:p14="http://schemas.microsoft.com/office/powerpoint/2010/main" val="4200091178"/>
+        <p14:creationId xmlns:p14="http://schemas.microsoft.com/office/powerpoint/2010/main" val="855260050"/>
       </p:ext>
     </p:extLst>
   </p:cSld>
@@ -2059,13 +1804,7 @@
       </p:grpSpPr>
       <p:sp>
         <p:nvSpPr>
-          <p:cNvPr id="2" name="Date Placeholder 1">
-            <a:extLst>
-              <a:ext uri="{FF2B5EF4-FFF2-40B4-BE49-F238E27FC236}">
-                <a16:creationId xmlns:a16="http://schemas.microsoft.com/office/drawing/2014/main" id="{AA09C194-8A3D-01B4-BE5D-0654EC5F9704}"/>
-              </a:ext>
-            </a:extLst>
-          </p:cNvPr>
+          <p:cNvPr id="2" name="Date Placeholder 1"/>
           <p:cNvSpPr>
             <a:spLocks noGrp="1"/>
           </p:cNvSpPr>
@@ -2088,13 +1827,7 @@
       </p:sp>
       <p:sp>
         <p:nvSpPr>
-          <p:cNvPr id="3" name="Footer Placeholder 2">
-            <a:extLst>
-              <a:ext uri="{FF2B5EF4-FFF2-40B4-BE49-F238E27FC236}">
-                <a16:creationId xmlns:a16="http://schemas.microsoft.com/office/drawing/2014/main" id="{A16A543D-707C-8513-0A04-5EA7B7D94B49}"/>
-              </a:ext>
-            </a:extLst>
-          </p:cNvPr>
+          <p:cNvPr id="3" name="Footer Placeholder 2"/>
           <p:cNvSpPr>
             <a:spLocks noGrp="1"/>
           </p:cNvSpPr>
@@ -2113,13 +1846,7 @@
       </p:sp>
       <p:sp>
         <p:nvSpPr>
-          <p:cNvPr id="4" name="Slide Number Placeholder 3">
-            <a:extLst>
-              <a:ext uri="{FF2B5EF4-FFF2-40B4-BE49-F238E27FC236}">
-                <a16:creationId xmlns:a16="http://schemas.microsoft.com/office/drawing/2014/main" id="{A756F4B2-1777-07A7-1EC1-7A423FA61CBB}"/>
-              </a:ext>
-            </a:extLst>
-          </p:cNvPr>
+          <p:cNvPr id="4" name="Slide Number Placeholder 3"/>
           <p:cNvSpPr>
             <a:spLocks noGrp="1"/>
           </p:cNvSpPr>
@@ -2143,7 +1870,7 @@
     </p:spTree>
     <p:extLst>
       <p:ext uri="{BB962C8B-B14F-4D97-AF65-F5344CB8AC3E}">
-        <p14:creationId xmlns:p14="http://schemas.microsoft.com/office/powerpoint/2010/main" val="3158237038"/>
+        <p14:creationId xmlns:p14="http://schemas.microsoft.com/office/powerpoint/2010/main" val="4225062813"/>
       </p:ext>
     </p:extLst>
   </p:cSld>
@@ -2172,13 +1899,7 @@
       </p:grpSpPr>
       <p:sp>
         <p:nvSpPr>
-          <p:cNvPr id="2" name="Title 1">
-            <a:extLst>
-              <a:ext uri="{FF2B5EF4-FFF2-40B4-BE49-F238E27FC236}">
-                <a16:creationId xmlns:a16="http://schemas.microsoft.com/office/drawing/2014/main" id="{4CC57A25-D5E0-06D1-B8C5-B07BAE8A029A}"/>
-              </a:ext>
-            </a:extLst>
-          </p:cNvPr>
+          <p:cNvPr id="2" name="Title 1"/>
           <p:cNvSpPr>
             <a:spLocks noGrp="1"/>
           </p:cNvSpPr>
@@ -2188,8 +1909,8 @@
         </p:nvSpPr>
         <p:spPr>
           <a:xfrm>
-            <a:off x="839788" y="457200"/>
-            <a:ext cx="3932237" cy="1600200"/>
+            <a:off x="629841" y="457200"/>
+            <a:ext cx="2949179" cy="1600200"/>
           </a:xfrm>
         </p:spPr>
         <p:txBody>
@@ -2204,19 +1925,13 @@
               <a:rPr lang="en-US"/>
               <a:t>Click to edit Master title style</a:t>
             </a:r>
-            <a:endParaRPr lang="en-CA"/>
-          </a:p>
-        </p:txBody>
-      </p:sp>
-      <p:sp>
-        <p:nvSpPr>
-          <p:cNvPr id="3" name="Content Placeholder 2">
-            <a:extLst>
-              <a:ext uri="{FF2B5EF4-FFF2-40B4-BE49-F238E27FC236}">
-                <a16:creationId xmlns:a16="http://schemas.microsoft.com/office/drawing/2014/main" id="{0D3C5443-DA40-43F9-43AA-EF8ACE67CBD2}"/>
-              </a:ext>
-            </a:extLst>
-          </p:cNvPr>
+            <a:endParaRPr lang="en-US" dirty="0"/>
+          </a:p>
+        </p:txBody>
+      </p:sp>
+      <p:sp>
+        <p:nvSpPr>
+          <p:cNvPr id="3" name="Content Placeholder 2"/>
           <p:cNvSpPr>
             <a:spLocks noGrp="1"/>
           </p:cNvSpPr>
@@ -2226,8 +1941,8 @@
         </p:nvSpPr>
         <p:spPr>
           <a:xfrm>
-            <a:off x="5183188" y="987425"/>
-            <a:ext cx="6172200" cy="4873625"/>
+            <a:off x="3887393" y="987428"/>
+            <a:ext cx="4629151" cy="4873625"/>
           </a:xfrm>
         </p:spPr>
         <p:txBody>
@@ -2295,19 +2010,13 @@
               <a:rPr lang="en-US"/>
               <a:t>Fifth level</a:t>
             </a:r>
-            <a:endParaRPr lang="en-CA"/>
-          </a:p>
-        </p:txBody>
-      </p:sp>
-      <p:sp>
-        <p:nvSpPr>
-          <p:cNvPr id="4" name="Text Placeholder 3">
-            <a:extLst>
-              <a:ext uri="{FF2B5EF4-FFF2-40B4-BE49-F238E27FC236}">
-                <a16:creationId xmlns:a16="http://schemas.microsoft.com/office/drawing/2014/main" id="{24A0C4D2-A6F1-DE6A-22DF-EF7EB564E919}"/>
-              </a:ext>
-            </a:extLst>
-          </p:cNvPr>
+            <a:endParaRPr lang="en-US" dirty="0"/>
+          </a:p>
+        </p:txBody>
+      </p:sp>
+      <p:sp>
+        <p:nvSpPr>
+          <p:cNvPr id="4" name="Text Placeholder 3"/>
           <p:cNvSpPr>
             <a:spLocks noGrp="1"/>
           </p:cNvSpPr>
@@ -2317,8 +2026,8 @@
         </p:nvSpPr>
         <p:spPr>
           <a:xfrm>
-            <a:off x="839788" y="2057400"/>
-            <a:ext cx="3932237" cy="3811588"/>
+            <a:off x="629841" y="2057400"/>
+            <a:ext cx="2949179" cy="3811588"/>
           </a:xfrm>
         </p:spPr>
         <p:txBody>
@@ -2328,35 +2037,35 @@
               <a:buNone/>
               <a:defRPr sz="1600"/>
             </a:lvl1pPr>
-            <a:lvl2pPr marL="457200" indent="0">
+            <a:lvl2pPr marL="457178" indent="0">
               <a:buNone/>
               <a:defRPr sz="1400"/>
             </a:lvl2pPr>
-            <a:lvl3pPr marL="914400" indent="0">
+            <a:lvl3pPr marL="914356" indent="0">
               <a:buNone/>
               <a:defRPr sz="1200"/>
             </a:lvl3pPr>
-            <a:lvl4pPr marL="1371600" indent="0">
+            <a:lvl4pPr marL="1371532" indent="0">
               <a:buNone/>
               <a:defRPr sz="1000"/>
             </a:lvl4pPr>
-            <a:lvl5pPr marL="1828800" indent="0">
+            <a:lvl5pPr marL="1828709" indent="0">
               <a:buNone/>
               <a:defRPr sz="1000"/>
             </a:lvl5pPr>
-            <a:lvl6pPr marL="2286000" indent="0">
+            <a:lvl6pPr marL="2285886" indent="0">
               <a:buNone/>
               <a:defRPr sz="1000"/>
             </a:lvl6pPr>
-            <a:lvl7pPr marL="2743200" indent="0">
+            <a:lvl7pPr marL="2743063" indent="0">
               <a:buNone/>
               <a:defRPr sz="1000"/>
             </a:lvl7pPr>
-            <a:lvl8pPr marL="3200400" indent="0">
+            <a:lvl8pPr marL="3200240" indent="0">
               <a:buNone/>
               <a:defRPr sz="1000"/>
             </a:lvl8pPr>
-            <a:lvl9pPr marL="3657600" indent="0">
+            <a:lvl9pPr marL="3657418" indent="0">
               <a:buNone/>
               <a:defRPr sz="1000"/>
             </a:lvl9pPr>
@@ -2372,13 +2081,7 @@
       </p:sp>
       <p:sp>
         <p:nvSpPr>
-          <p:cNvPr id="5" name="Date Placeholder 4">
-            <a:extLst>
-              <a:ext uri="{FF2B5EF4-FFF2-40B4-BE49-F238E27FC236}">
-                <a16:creationId xmlns:a16="http://schemas.microsoft.com/office/drawing/2014/main" id="{3A257472-A6BD-EC17-FE80-793A7D64C516}"/>
-              </a:ext>
-            </a:extLst>
-          </p:cNvPr>
+          <p:cNvPr id="5" name="Date Placeholder 4"/>
           <p:cNvSpPr>
             <a:spLocks noGrp="1"/>
           </p:cNvSpPr>
@@ -2401,13 +2104,7 @@
       </p:sp>
       <p:sp>
         <p:nvSpPr>
-          <p:cNvPr id="6" name="Footer Placeholder 5">
-            <a:extLst>
-              <a:ext uri="{FF2B5EF4-FFF2-40B4-BE49-F238E27FC236}">
-                <a16:creationId xmlns:a16="http://schemas.microsoft.com/office/drawing/2014/main" id="{D1095364-18C2-0A48-BE16-CCDFAA470C39}"/>
-              </a:ext>
-            </a:extLst>
-          </p:cNvPr>
+          <p:cNvPr id="6" name="Footer Placeholder 5"/>
           <p:cNvSpPr>
             <a:spLocks noGrp="1"/>
           </p:cNvSpPr>
@@ -2426,13 +2123,7 @@
       </p:sp>
       <p:sp>
         <p:nvSpPr>
-          <p:cNvPr id="7" name="Slide Number Placeholder 6">
-            <a:extLst>
-              <a:ext uri="{FF2B5EF4-FFF2-40B4-BE49-F238E27FC236}">
-                <a16:creationId xmlns:a16="http://schemas.microsoft.com/office/drawing/2014/main" id="{09E07941-347E-844E-E410-1062F7D83473}"/>
-              </a:ext>
-            </a:extLst>
-          </p:cNvPr>
+          <p:cNvPr id="7" name="Slide Number Placeholder 6"/>
           <p:cNvSpPr>
             <a:spLocks noGrp="1"/>
           </p:cNvSpPr>
@@ -2456,7 +2147,7 @@
     </p:spTree>
     <p:extLst>
       <p:ext uri="{BB962C8B-B14F-4D97-AF65-F5344CB8AC3E}">
-        <p14:creationId xmlns:p14="http://schemas.microsoft.com/office/powerpoint/2010/main" val="1216772976"/>
+        <p14:creationId xmlns:p14="http://schemas.microsoft.com/office/powerpoint/2010/main" val="85506112"/>
       </p:ext>
     </p:extLst>
   </p:cSld>
@@ -2485,13 +2176,7 @@
       </p:grpSpPr>
       <p:sp>
         <p:nvSpPr>
-          <p:cNvPr id="2" name="Title 1">
-            <a:extLst>
-              <a:ext uri="{FF2B5EF4-FFF2-40B4-BE49-F238E27FC236}">
-                <a16:creationId xmlns:a16="http://schemas.microsoft.com/office/drawing/2014/main" id="{515E93F1-5EF1-9662-4604-1BB2ABEB66FC}"/>
-              </a:ext>
-            </a:extLst>
-          </p:cNvPr>
+          <p:cNvPr id="2" name="Title 1"/>
           <p:cNvSpPr>
             <a:spLocks noGrp="1"/>
           </p:cNvSpPr>
@@ -2501,8 +2186,8 @@
         </p:nvSpPr>
         <p:spPr>
           <a:xfrm>
-            <a:off x="839788" y="457200"/>
-            <a:ext cx="3932237" cy="1600200"/>
+            <a:off x="629841" y="457200"/>
+            <a:ext cx="2949179" cy="1600200"/>
           </a:xfrm>
         </p:spPr>
         <p:txBody>
@@ -2517,21 +2202,15 @@
               <a:rPr lang="en-US"/>
               <a:t>Click to edit Master title style</a:t>
             </a:r>
-            <a:endParaRPr lang="en-CA"/>
-          </a:p>
-        </p:txBody>
-      </p:sp>
-      <p:sp>
-        <p:nvSpPr>
-          <p:cNvPr id="3" name="Picture Placeholder 2">
-            <a:extLst>
-              <a:ext uri="{FF2B5EF4-FFF2-40B4-BE49-F238E27FC236}">
-                <a16:creationId xmlns:a16="http://schemas.microsoft.com/office/drawing/2014/main" id="{B0312812-F014-D107-0DC0-A286E1E3179F}"/>
-              </a:ext>
-            </a:extLst>
-          </p:cNvPr>
-          <p:cNvSpPr>
-            <a:spLocks noGrp="1"/>
+            <a:endParaRPr lang="en-US" dirty="0"/>
+          </a:p>
+        </p:txBody>
+      </p:sp>
+      <p:sp>
+        <p:nvSpPr>
+          <p:cNvPr id="3" name="Picture Placeholder 2"/>
+          <p:cNvSpPr>
+            <a:spLocks noGrp="1" noChangeAspect="1"/>
           </p:cNvSpPr>
           <p:nvPr>
             <p:ph type="pic" idx="1"/>
@@ -2539,8 +2218,73 @@
         </p:nvSpPr>
         <p:spPr>
           <a:xfrm>
-            <a:off x="5183188" y="987425"/>
-            <a:ext cx="6172200" cy="4873625"/>
+            <a:off x="3887393" y="987428"/>
+            <a:ext cx="4629151" cy="4873625"/>
+          </a:xfrm>
+        </p:spPr>
+        <p:txBody>
+          <a:bodyPr anchor="t"/>
+          <a:lstStyle>
+            <a:lvl1pPr marL="0" indent="0">
+              <a:buNone/>
+              <a:defRPr sz="3200"/>
+            </a:lvl1pPr>
+            <a:lvl2pPr marL="457178" indent="0">
+              <a:buNone/>
+              <a:defRPr sz="2800"/>
+            </a:lvl2pPr>
+            <a:lvl3pPr marL="914356" indent="0">
+              <a:buNone/>
+              <a:defRPr sz="2400"/>
+            </a:lvl3pPr>
+            <a:lvl4pPr marL="1371532" indent="0">
+              <a:buNone/>
+              <a:defRPr sz="2000"/>
+            </a:lvl4pPr>
+            <a:lvl5pPr marL="1828709" indent="0">
+              <a:buNone/>
+              <a:defRPr sz="2000"/>
+            </a:lvl5pPr>
+            <a:lvl6pPr marL="2285886" indent="0">
+              <a:buNone/>
+              <a:defRPr sz="2000"/>
+            </a:lvl6pPr>
+            <a:lvl7pPr marL="2743063" indent="0">
+              <a:buNone/>
+              <a:defRPr sz="2000"/>
+            </a:lvl7pPr>
+            <a:lvl8pPr marL="3200240" indent="0">
+              <a:buNone/>
+              <a:defRPr sz="2000"/>
+            </a:lvl8pPr>
+            <a:lvl9pPr marL="3657418" indent="0">
+              <a:buNone/>
+              <a:defRPr sz="2000"/>
+            </a:lvl9pPr>
+          </a:lstStyle>
+          <a:p>
+            <a:r>
+              <a:rPr lang="en-US"/>
+              <a:t>Click icon to add picture</a:t>
+            </a:r>
+            <a:endParaRPr lang="en-US" dirty="0"/>
+          </a:p>
+        </p:txBody>
+      </p:sp>
+      <p:sp>
+        <p:nvSpPr>
+          <p:cNvPr id="4" name="Text Placeholder 3"/>
+          <p:cNvSpPr>
+            <a:spLocks noGrp="1"/>
+          </p:cNvSpPr>
+          <p:nvPr>
+            <p:ph type="body" sz="half" idx="2"/>
+          </p:nvPr>
+        </p:nvSpPr>
+        <p:spPr>
+          <a:xfrm>
+            <a:off x="629841" y="2057400"/>
+            <a:ext cx="2949179" cy="3811588"/>
           </a:xfrm>
         </p:spPr>
         <p:txBody>
@@ -2548,104 +2292,37 @@
           <a:lstStyle>
             <a:lvl1pPr marL="0" indent="0">
               <a:buNone/>
-              <a:defRPr sz="3200"/>
-            </a:lvl1pPr>
-            <a:lvl2pPr marL="457200" indent="0">
-              <a:buNone/>
-              <a:defRPr sz="2800"/>
-            </a:lvl2pPr>
-            <a:lvl3pPr marL="914400" indent="0">
-              <a:buNone/>
-              <a:defRPr sz="2400"/>
-            </a:lvl3pPr>
-            <a:lvl4pPr marL="1371600" indent="0">
-              <a:buNone/>
-              <a:defRPr sz="2000"/>
-            </a:lvl4pPr>
-            <a:lvl5pPr marL="1828800" indent="0">
-              <a:buNone/>
-              <a:defRPr sz="2000"/>
-            </a:lvl5pPr>
-            <a:lvl6pPr marL="2286000" indent="0">
-              <a:buNone/>
-              <a:defRPr sz="2000"/>
-            </a:lvl6pPr>
-            <a:lvl7pPr marL="2743200" indent="0">
-              <a:buNone/>
-              <a:defRPr sz="2000"/>
-            </a:lvl7pPr>
-            <a:lvl8pPr marL="3200400" indent="0">
-              <a:buNone/>
-              <a:defRPr sz="2000"/>
-            </a:lvl8pPr>
-            <a:lvl9pPr marL="3657600" indent="0">
-              <a:buNone/>
-              <a:defRPr sz="2000"/>
-            </a:lvl9pPr>
-          </a:lstStyle>
-          <a:p>
-            <a:endParaRPr lang="en-CA"/>
-          </a:p>
-        </p:txBody>
-      </p:sp>
-      <p:sp>
-        <p:nvSpPr>
-          <p:cNvPr id="4" name="Text Placeholder 3">
-            <a:extLst>
-              <a:ext uri="{FF2B5EF4-FFF2-40B4-BE49-F238E27FC236}">
-                <a16:creationId xmlns:a16="http://schemas.microsoft.com/office/drawing/2014/main" id="{04398AA2-1031-B2E8-B63A-944AEC32CA37}"/>
-              </a:ext>
-            </a:extLst>
-          </p:cNvPr>
-          <p:cNvSpPr>
-            <a:spLocks noGrp="1"/>
-          </p:cNvSpPr>
-          <p:nvPr>
-            <p:ph type="body" sz="half" idx="2"/>
-          </p:nvPr>
-        </p:nvSpPr>
-        <p:spPr>
-          <a:xfrm>
-            <a:off x="839788" y="2057400"/>
-            <a:ext cx="3932237" cy="3811588"/>
-          </a:xfrm>
-        </p:spPr>
-        <p:txBody>
-          <a:bodyPr/>
-          <a:lstStyle>
-            <a:lvl1pPr marL="0" indent="0">
-              <a:buNone/>
               <a:defRPr sz="1600"/>
             </a:lvl1pPr>
-            <a:lvl2pPr marL="457200" indent="0">
+            <a:lvl2pPr marL="457178" indent="0">
               <a:buNone/>
               <a:defRPr sz="1400"/>
             </a:lvl2pPr>
-            <a:lvl3pPr marL="914400" indent="0">
+            <a:lvl3pPr marL="914356" indent="0">
               <a:buNone/>
               <a:defRPr sz="1200"/>
             </a:lvl3pPr>
-            <a:lvl4pPr marL="1371600" indent="0">
+            <a:lvl4pPr marL="1371532" indent="0">
               <a:buNone/>
               <a:defRPr sz="1000"/>
             </a:lvl4pPr>
-            <a:lvl5pPr marL="1828800" indent="0">
+            <a:lvl5pPr marL="1828709" indent="0">
               <a:buNone/>
               <a:defRPr sz="1000"/>
             </a:lvl5pPr>
-            <a:lvl6pPr marL="2286000" indent="0">
+            <a:lvl6pPr marL="2285886" indent="0">
               <a:buNone/>
               <a:defRPr sz="1000"/>
             </a:lvl6pPr>
-            <a:lvl7pPr marL="2743200" indent="0">
+            <a:lvl7pPr marL="2743063" indent="0">
               <a:buNone/>
               <a:defRPr sz="1000"/>
             </a:lvl7pPr>
-            <a:lvl8pPr marL="3200400" indent="0">
+            <a:lvl8pPr marL="3200240" indent="0">
               <a:buNone/>
               <a:defRPr sz="1000"/>
             </a:lvl8pPr>
-            <a:lvl9pPr marL="3657600" indent="0">
+            <a:lvl9pPr marL="3657418" indent="0">
               <a:buNone/>
               <a:defRPr sz="1000"/>
             </a:lvl9pPr>
@@ -2661,13 +2338,7 @@
       </p:sp>
       <p:sp>
         <p:nvSpPr>
-          <p:cNvPr id="5" name="Date Placeholder 4">
-            <a:extLst>
-              <a:ext uri="{FF2B5EF4-FFF2-40B4-BE49-F238E27FC236}">
-                <a16:creationId xmlns:a16="http://schemas.microsoft.com/office/drawing/2014/main" id="{041D23BB-7FC3-59EE-A436-DB3F23F24693}"/>
-              </a:ext>
-            </a:extLst>
-          </p:cNvPr>
+          <p:cNvPr id="5" name="Date Placeholder 4"/>
           <p:cNvSpPr>
             <a:spLocks noGrp="1"/>
           </p:cNvSpPr>
@@ -2690,13 +2361,7 @@
       </p:sp>
       <p:sp>
         <p:nvSpPr>
-          <p:cNvPr id="6" name="Footer Placeholder 5">
-            <a:extLst>
-              <a:ext uri="{FF2B5EF4-FFF2-40B4-BE49-F238E27FC236}">
-                <a16:creationId xmlns:a16="http://schemas.microsoft.com/office/drawing/2014/main" id="{336F6CDC-34AE-BC9A-CE0D-E9F3C3E7CE57}"/>
-              </a:ext>
-            </a:extLst>
-          </p:cNvPr>
+          <p:cNvPr id="6" name="Footer Placeholder 5"/>
           <p:cNvSpPr>
             <a:spLocks noGrp="1"/>
           </p:cNvSpPr>
@@ -2715,13 +2380,7 @@
       </p:sp>
       <p:sp>
         <p:nvSpPr>
-          <p:cNvPr id="7" name="Slide Number Placeholder 6">
-            <a:extLst>
-              <a:ext uri="{FF2B5EF4-FFF2-40B4-BE49-F238E27FC236}">
-                <a16:creationId xmlns:a16="http://schemas.microsoft.com/office/drawing/2014/main" id="{B768B4D3-A924-DF3C-2BF0-8DB7F6CC8298}"/>
-              </a:ext>
-            </a:extLst>
-          </p:cNvPr>
+          <p:cNvPr id="7" name="Slide Number Placeholder 6"/>
           <p:cNvSpPr>
             <a:spLocks noGrp="1"/>
           </p:cNvSpPr>
@@ -2745,7 +2404,7 @@
     </p:spTree>
     <p:extLst>
       <p:ext uri="{BB962C8B-B14F-4D97-AF65-F5344CB8AC3E}">
-        <p14:creationId xmlns:p14="http://schemas.microsoft.com/office/powerpoint/2010/main" val="2082692257"/>
+        <p14:creationId xmlns:p14="http://schemas.microsoft.com/office/powerpoint/2010/main" val="3020054601"/>
       </p:ext>
     </p:extLst>
   </p:cSld>
@@ -2779,13 +2438,7 @@
       </p:grpSpPr>
       <p:sp>
         <p:nvSpPr>
-          <p:cNvPr id="2" name="Title Placeholder 1">
-            <a:extLst>
-              <a:ext uri="{FF2B5EF4-FFF2-40B4-BE49-F238E27FC236}">
-                <a16:creationId xmlns:a16="http://schemas.microsoft.com/office/drawing/2014/main" id="{EAFA7F04-5A8F-3F6D-8F40-0446C85B18D3}"/>
-              </a:ext>
-            </a:extLst>
-          </p:cNvPr>
+          <p:cNvPr id="2" name="Title Placeholder 1"/>
           <p:cNvSpPr>
             <a:spLocks noGrp="1"/>
           </p:cNvSpPr>
@@ -2795,8 +2448,8 @@
         </p:nvSpPr>
         <p:spPr>
           <a:xfrm>
-            <a:off x="838200" y="365125"/>
-            <a:ext cx="10515600" cy="1325563"/>
+            <a:off x="628651" y="365128"/>
+            <a:ext cx="7886700" cy="1325563"/>
           </a:xfrm>
           <a:prstGeom prst="rect">
             <a:avLst/>
@@ -2812,19 +2465,13 @@
               <a:rPr lang="en-US"/>
               <a:t>Click to edit Master title style</a:t>
             </a:r>
-            <a:endParaRPr lang="en-CA"/>
-          </a:p>
-        </p:txBody>
-      </p:sp>
-      <p:sp>
-        <p:nvSpPr>
-          <p:cNvPr id="3" name="Text Placeholder 2">
-            <a:extLst>
-              <a:ext uri="{FF2B5EF4-FFF2-40B4-BE49-F238E27FC236}">
-                <a16:creationId xmlns:a16="http://schemas.microsoft.com/office/drawing/2014/main" id="{F7FEE253-17B0-45F4-6519-852130F2EF83}"/>
-              </a:ext>
-            </a:extLst>
-          </p:cNvPr>
+            <a:endParaRPr lang="en-US" dirty="0"/>
+          </a:p>
+        </p:txBody>
+      </p:sp>
+      <p:sp>
+        <p:nvSpPr>
+          <p:cNvPr id="3" name="Text Placeholder 2"/>
           <p:cNvSpPr>
             <a:spLocks noGrp="1"/>
           </p:cNvSpPr>
@@ -2834,8 +2481,8 @@
         </p:nvSpPr>
         <p:spPr>
           <a:xfrm>
-            <a:off x="838200" y="1825625"/>
-            <a:ext cx="10515600" cy="4351338"/>
+            <a:off x="628651" y="1825625"/>
+            <a:ext cx="7886700" cy="4351338"/>
           </a:xfrm>
           <a:prstGeom prst="rect">
             <a:avLst/>
@@ -2880,19 +2527,13 @@
               <a:rPr lang="en-US"/>
               <a:t>Fifth level</a:t>
             </a:r>
-            <a:endParaRPr lang="en-CA"/>
-          </a:p>
-        </p:txBody>
-      </p:sp>
-      <p:sp>
-        <p:nvSpPr>
-          <p:cNvPr id="4" name="Date Placeholder 3">
-            <a:extLst>
-              <a:ext uri="{FF2B5EF4-FFF2-40B4-BE49-F238E27FC236}">
-                <a16:creationId xmlns:a16="http://schemas.microsoft.com/office/drawing/2014/main" id="{FE676067-0FBD-3EB3-A15E-520CA8C2A300}"/>
-              </a:ext>
-            </a:extLst>
-          </p:cNvPr>
+            <a:endParaRPr lang="en-US" dirty="0"/>
+          </a:p>
+        </p:txBody>
+      </p:sp>
+      <p:sp>
+        <p:nvSpPr>
+          <p:cNvPr id="4" name="Date Placeholder 3"/>
           <p:cNvSpPr>
             <a:spLocks noGrp="1"/>
           </p:cNvSpPr>
@@ -2902,8 +2543,8 @@
         </p:nvSpPr>
         <p:spPr>
           <a:xfrm>
-            <a:off x="838200" y="6356350"/>
-            <a:ext cx="2743200" cy="365125"/>
+            <a:off x="628651" y="6356353"/>
+            <a:ext cx="2057400" cy="365125"/>
           </a:xfrm>
           <a:prstGeom prst="rect">
             <a:avLst/>
@@ -2933,13 +2574,7 @@
       </p:sp>
       <p:sp>
         <p:nvSpPr>
-          <p:cNvPr id="5" name="Footer Placeholder 4">
-            <a:extLst>
-              <a:ext uri="{FF2B5EF4-FFF2-40B4-BE49-F238E27FC236}">
-                <a16:creationId xmlns:a16="http://schemas.microsoft.com/office/drawing/2014/main" id="{7E0FD5C9-183A-F59D-6369-60EBE2B26552}"/>
-              </a:ext>
-            </a:extLst>
-          </p:cNvPr>
+          <p:cNvPr id="5" name="Footer Placeholder 4"/>
           <p:cNvSpPr>
             <a:spLocks noGrp="1"/>
           </p:cNvSpPr>
@@ -2949,8 +2584,8 @@
         </p:nvSpPr>
         <p:spPr>
           <a:xfrm>
-            <a:off x="4038600" y="6356350"/>
-            <a:ext cx="4114800" cy="365125"/>
+            <a:off x="3028951" y="6356353"/>
+            <a:ext cx="3086100" cy="365125"/>
           </a:xfrm>
           <a:prstGeom prst="rect">
             <a:avLst/>
@@ -2976,13 +2611,7 @@
       </p:sp>
       <p:sp>
         <p:nvSpPr>
-          <p:cNvPr id="6" name="Slide Number Placeholder 5">
-            <a:extLst>
-              <a:ext uri="{FF2B5EF4-FFF2-40B4-BE49-F238E27FC236}">
-                <a16:creationId xmlns:a16="http://schemas.microsoft.com/office/drawing/2014/main" id="{061DD2DB-17F0-2CA7-8398-C027BDE7DCBF}"/>
-              </a:ext>
-            </a:extLst>
-          </p:cNvPr>
+          <p:cNvPr id="6" name="Slide Number Placeholder 5"/>
           <p:cNvSpPr>
             <a:spLocks noGrp="1"/>
           </p:cNvSpPr>
@@ -2992,8 +2621,8 @@
         </p:nvSpPr>
         <p:spPr>
           <a:xfrm>
-            <a:off x="8610600" y="6356350"/>
-            <a:ext cx="2743200" cy="365125"/>
+            <a:off x="6457951" y="6356353"/>
+            <a:ext cx="2057400" cy="365125"/>
           </a:xfrm>
           <a:prstGeom prst="rect">
             <a:avLst/>
@@ -3024,27 +2653,27 @@
     </p:spTree>
     <p:extLst>
       <p:ext uri="{BB962C8B-B14F-4D97-AF65-F5344CB8AC3E}">
-        <p14:creationId xmlns:p14="http://schemas.microsoft.com/office/powerpoint/2010/main" val="198710367"/>
+        <p14:creationId xmlns:p14="http://schemas.microsoft.com/office/powerpoint/2010/main" val="1145505277"/>
       </p:ext>
     </p:extLst>
   </p:cSld>
   <p:clrMap bg1="lt1" tx1="dk1" bg2="lt2" tx2="dk2" accent1="accent1" accent2="accent2" accent3="accent3" accent4="accent4" accent5="accent5" accent6="accent6" hlink="hlink" folHlink="folHlink"/>
   <p:sldLayoutIdLst>
-    <p:sldLayoutId id="2147483649" r:id="rId1"/>
-    <p:sldLayoutId id="2147483650" r:id="rId2"/>
-    <p:sldLayoutId id="2147483651" r:id="rId3"/>
-    <p:sldLayoutId id="2147483652" r:id="rId4"/>
-    <p:sldLayoutId id="2147483653" r:id="rId5"/>
-    <p:sldLayoutId id="2147483654" r:id="rId6"/>
-    <p:sldLayoutId id="2147483655" r:id="rId7"/>
-    <p:sldLayoutId id="2147483656" r:id="rId8"/>
-    <p:sldLayoutId id="2147483657" r:id="rId9"/>
-    <p:sldLayoutId id="2147483658" r:id="rId10"/>
-    <p:sldLayoutId id="2147483659" r:id="rId11"/>
+    <p:sldLayoutId id="2147483661" r:id="rId1"/>
+    <p:sldLayoutId id="2147483662" r:id="rId2"/>
+    <p:sldLayoutId id="2147483663" r:id="rId3"/>
+    <p:sldLayoutId id="2147483664" r:id="rId4"/>
+    <p:sldLayoutId id="2147483665" r:id="rId5"/>
+    <p:sldLayoutId id="2147483666" r:id="rId6"/>
+    <p:sldLayoutId id="2147483667" r:id="rId7"/>
+    <p:sldLayoutId id="2147483668" r:id="rId8"/>
+    <p:sldLayoutId id="2147483669" r:id="rId9"/>
+    <p:sldLayoutId id="2147483670" r:id="rId10"/>
+    <p:sldLayoutId id="2147483671" r:id="rId11"/>
   </p:sldLayoutIdLst>
   <p:txStyles>
     <p:titleStyle>
-      <a:lvl1pPr algn="l" defTabSz="914400" rtl="0" eaLnBrk="1" latinLnBrk="0" hangingPunct="1">
+      <a:lvl1pPr algn="l" defTabSz="914356" rtl="0" eaLnBrk="1" latinLnBrk="0" hangingPunct="1">
         <a:lnSpc>
           <a:spcPct val="90000"/>
         </a:lnSpc>
@@ -3063,7 +2692,7 @@
       </a:lvl1pPr>
     </p:titleStyle>
     <p:bodyStyle>
-      <a:lvl1pPr marL="228600" indent="-228600" algn="l" defTabSz="914400" rtl="0" eaLnBrk="1" latinLnBrk="0" hangingPunct="1">
+      <a:lvl1pPr marL="228589" indent="-228589" algn="l" defTabSz="914356" rtl="0" eaLnBrk="1" latinLnBrk="0" hangingPunct="1">
         <a:lnSpc>
           <a:spcPct val="90000"/>
         </a:lnSpc>
@@ -3081,7 +2710,7 @@
           <a:cs typeface="+mn-cs"/>
         </a:defRPr>
       </a:lvl1pPr>
-      <a:lvl2pPr marL="685800" indent="-228600" algn="l" defTabSz="914400" rtl="0" eaLnBrk="1" latinLnBrk="0" hangingPunct="1">
+      <a:lvl2pPr marL="685766" indent="-228589" algn="l" defTabSz="914356" rtl="0" eaLnBrk="1" latinLnBrk="0" hangingPunct="1">
         <a:lnSpc>
           <a:spcPct val="90000"/>
         </a:lnSpc>
@@ -3099,7 +2728,7 @@
           <a:cs typeface="+mn-cs"/>
         </a:defRPr>
       </a:lvl2pPr>
-      <a:lvl3pPr marL="1143000" indent="-228600" algn="l" defTabSz="914400" rtl="0" eaLnBrk="1" latinLnBrk="0" hangingPunct="1">
+      <a:lvl3pPr marL="1142943" indent="-228589" algn="l" defTabSz="914356" rtl="0" eaLnBrk="1" latinLnBrk="0" hangingPunct="1">
         <a:lnSpc>
           <a:spcPct val="90000"/>
         </a:lnSpc>
@@ -3117,7 +2746,7 @@
           <a:cs typeface="+mn-cs"/>
         </a:defRPr>
       </a:lvl3pPr>
-      <a:lvl4pPr marL="1600200" indent="-228600" algn="l" defTabSz="914400" rtl="0" eaLnBrk="1" latinLnBrk="0" hangingPunct="1">
+      <a:lvl4pPr marL="1600120" indent="-228589" algn="l" defTabSz="914356" rtl="0" eaLnBrk="1" latinLnBrk="0" hangingPunct="1">
         <a:lnSpc>
           <a:spcPct val="90000"/>
         </a:lnSpc>
@@ -3135,7 +2764,7 @@
           <a:cs typeface="+mn-cs"/>
         </a:defRPr>
       </a:lvl4pPr>
-      <a:lvl5pPr marL="2057400" indent="-228600" algn="l" defTabSz="914400" rtl="0" eaLnBrk="1" latinLnBrk="0" hangingPunct="1">
+      <a:lvl5pPr marL="2057297" indent="-228589" algn="l" defTabSz="914356" rtl="0" eaLnBrk="1" latinLnBrk="0" hangingPunct="1">
         <a:lnSpc>
           <a:spcPct val="90000"/>
         </a:lnSpc>
@@ -3153,7 +2782,7 @@
           <a:cs typeface="+mn-cs"/>
         </a:defRPr>
       </a:lvl5pPr>
-      <a:lvl6pPr marL="2514600" indent="-228600" algn="l" defTabSz="914400" rtl="0" eaLnBrk="1" latinLnBrk="0" hangingPunct="1">
+      <a:lvl6pPr marL="2514474" indent="-228589" algn="l" defTabSz="914356" rtl="0" eaLnBrk="1" latinLnBrk="0" hangingPunct="1">
         <a:lnSpc>
           <a:spcPct val="90000"/>
         </a:lnSpc>
@@ -3171,7 +2800,7 @@
           <a:cs typeface="+mn-cs"/>
         </a:defRPr>
       </a:lvl6pPr>
-      <a:lvl7pPr marL="2971800" indent="-228600" algn="l" defTabSz="914400" rtl="0" eaLnBrk="1" latinLnBrk="0" hangingPunct="1">
+      <a:lvl7pPr marL="2971652" indent="-228589" algn="l" defTabSz="914356" rtl="0" eaLnBrk="1" latinLnBrk="0" hangingPunct="1">
         <a:lnSpc>
           <a:spcPct val="90000"/>
         </a:lnSpc>
@@ -3189,7 +2818,7 @@
           <a:cs typeface="+mn-cs"/>
         </a:defRPr>
       </a:lvl7pPr>
-      <a:lvl8pPr marL="3429000" indent="-228600" algn="l" defTabSz="914400" rtl="0" eaLnBrk="1" latinLnBrk="0" hangingPunct="1">
+      <a:lvl8pPr marL="3428829" indent="-228589" algn="l" defTabSz="914356" rtl="0" eaLnBrk="1" latinLnBrk="0" hangingPunct="1">
         <a:lnSpc>
           <a:spcPct val="90000"/>
         </a:lnSpc>
@@ -3207,7 +2836,7 @@
           <a:cs typeface="+mn-cs"/>
         </a:defRPr>
       </a:lvl8pPr>
-      <a:lvl9pPr marL="3886200" indent="-228600" algn="l" defTabSz="914400" rtl="0" eaLnBrk="1" latinLnBrk="0" hangingPunct="1">
+      <a:lvl9pPr marL="3886006" indent="-228589" algn="l" defTabSz="914356" rtl="0" eaLnBrk="1" latinLnBrk="0" hangingPunct="1">
         <a:lnSpc>
           <a:spcPct val="90000"/>
         </a:lnSpc>
@@ -3230,7 +2859,7 @@
       <a:defPPr>
         <a:defRPr lang="en-US"/>
       </a:defPPr>
-      <a:lvl1pPr marL="0" algn="l" defTabSz="914400" rtl="0" eaLnBrk="1" latinLnBrk="0" hangingPunct="1">
+      <a:lvl1pPr marL="0" algn="l" defTabSz="914356" rtl="0" eaLnBrk="1" latinLnBrk="0" hangingPunct="1">
         <a:defRPr sz="1800" kern="1200">
           <a:solidFill>
             <a:schemeClr val="tx1"/>
@@ -3240,7 +2869,7 @@
           <a:cs typeface="+mn-cs"/>
         </a:defRPr>
       </a:lvl1pPr>
-      <a:lvl2pPr marL="457200" algn="l" defTabSz="914400" rtl="0" eaLnBrk="1" latinLnBrk="0" hangingPunct="1">
+      <a:lvl2pPr marL="457178" algn="l" defTabSz="914356" rtl="0" eaLnBrk="1" latinLnBrk="0" hangingPunct="1">
         <a:defRPr sz="1800" kern="1200">
           <a:solidFill>
             <a:schemeClr val="tx1"/>
@@ -3250,7 +2879,7 @@
           <a:cs typeface="+mn-cs"/>
         </a:defRPr>
       </a:lvl2pPr>
-      <a:lvl3pPr marL="914400" algn="l" defTabSz="914400" rtl="0" eaLnBrk="1" latinLnBrk="0" hangingPunct="1">
+      <a:lvl3pPr marL="914356" algn="l" defTabSz="914356" rtl="0" eaLnBrk="1" latinLnBrk="0" hangingPunct="1">
         <a:defRPr sz="1800" kern="1200">
           <a:solidFill>
             <a:schemeClr val="tx1"/>
@@ -3260,7 +2889,7 @@
           <a:cs typeface="+mn-cs"/>
         </a:defRPr>
       </a:lvl3pPr>
-      <a:lvl4pPr marL="1371600" algn="l" defTabSz="914400" rtl="0" eaLnBrk="1" latinLnBrk="0" hangingPunct="1">
+      <a:lvl4pPr marL="1371532" algn="l" defTabSz="914356" rtl="0" eaLnBrk="1" latinLnBrk="0" hangingPunct="1">
         <a:defRPr sz="1800" kern="1200">
           <a:solidFill>
             <a:schemeClr val="tx1"/>
@@ -3270,7 +2899,7 @@
           <a:cs typeface="+mn-cs"/>
         </a:defRPr>
       </a:lvl4pPr>
-      <a:lvl5pPr marL="1828800" algn="l" defTabSz="914400" rtl="0" eaLnBrk="1" latinLnBrk="0" hangingPunct="1">
+      <a:lvl5pPr marL="1828709" algn="l" defTabSz="914356" rtl="0" eaLnBrk="1" latinLnBrk="0" hangingPunct="1">
         <a:defRPr sz="1800" kern="1200">
           <a:solidFill>
             <a:schemeClr val="tx1"/>
@@ -3280,7 +2909,7 @@
           <a:cs typeface="+mn-cs"/>
         </a:defRPr>
       </a:lvl5pPr>
-      <a:lvl6pPr marL="2286000" algn="l" defTabSz="914400" rtl="0" eaLnBrk="1" latinLnBrk="0" hangingPunct="1">
+      <a:lvl6pPr marL="2285886" algn="l" defTabSz="914356" rtl="0" eaLnBrk="1" latinLnBrk="0" hangingPunct="1">
         <a:defRPr sz="1800" kern="1200">
           <a:solidFill>
             <a:schemeClr val="tx1"/>
@@ -3290,7 +2919,7 @@
           <a:cs typeface="+mn-cs"/>
         </a:defRPr>
       </a:lvl6pPr>
-      <a:lvl7pPr marL="2743200" algn="l" defTabSz="914400" rtl="0" eaLnBrk="1" latinLnBrk="0" hangingPunct="1">
+      <a:lvl7pPr marL="2743063" algn="l" defTabSz="914356" rtl="0" eaLnBrk="1" latinLnBrk="0" hangingPunct="1">
         <a:defRPr sz="1800" kern="1200">
           <a:solidFill>
             <a:schemeClr val="tx1"/>
@@ -3300,7 +2929,7 @@
           <a:cs typeface="+mn-cs"/>
         </a:defRPr>
       </a:lvl7pPr>
-      <a:lvl8pPr marL="3200400" algn="l" defTabSz="914400" rtl="0" eaLnBrk="1" latinLnBrk="0" hangingPunct="1">
+      <a:lvl8pPr marL="3200240" algn="l" defTabSz="914356" rtl="0" eaLnBrk="1" latinLnBrk="0" hangingPunct="1">
         <a:defRPr sz="1800" kern="1200">
           <a:solidFill>
             <a:schemeClr val="tx1"/>
@@ -3310,7 +2939,7 @@
           <a:cs typeface="+mn-cs"/>
         </a:defRPr>
       </a:lvl8pPr>
-      <a:lvl9pPr marL="3657600" algn="l" defTabSz="914400" rtl="0" eaLnBrk="1" latinLnBrk="0" hangingPunct="1">
+      <a:lvl9pPr marL="3657418" algn="l" defTabSz="914356" rtl="0" eaLnBrk="1" latinLnBrk="0" hangingPunct="1">
         <a:defRPr sz="1800" kern="1200">
           <a:solidFill>
             <a:schemeClr val="tx1"/>
@@ -3356,8 +2985,8 @@
         </p:nvSpPr>
         <p:spPr>
           <a:xfrm>
-            <a:off x="83890" y="41945"/>
-            <a:ext cx="2122414" cy="369332"/>
+            <a:off x="1051422" y="41946"/>
+            <a:ext cx="2122415" cy="369460"/>
           </a:xfrm>
           <a:prstGeom prst="rect">
             <a:avLst/>
@@ -3372,7 +3001,7 @@
           <a:p>
             <a:pPr algn="ctr"/>
             <a:r>
-              <a:rPr lang="en-CA" u="sng" dirty="0">
+              <a:rPr lang="en-CA" sz="1801" u="sng" dirty="0">
                 <a:latin typeface="Bahnschrift Condensed" panose="020B0502040204020203" pitchFamily="34" charset="0"/>
               </a:rPr>
               <a:t>!!Start Here!!</a:t>
@@ -3394,8 +3023,8 @@
         </p:nvSpPr>
         <p:spPr>
           <a:xfrm>
-            <a:off x="0" y="411277"/>
-            <a:ext cx="2290194" cy="646331"/>
+            <a:off x="967531" y="411279"/>
+            <a:ext cx="2290195" cy="646331"/>
           </a:xfrm>
           <a:prstGeom prst="rect">
             <a:avLst/>
@@ -3431,8 +3060,8 @@
         </p:nvSpPr>
         <p:spPr>
           <a:xfrm>
-            <a:off x="4093829" y="472832"/>
-            <a:ext cx="2155969" cy="523220"/>
+            <a:off x="5061363" y="472838"/>
+            <a:ext cx="2155971" cy="523477"/>
           </a:xfrm>
           <a:prstGeom prst="rect">
             <a:avLst/>
@@ -3459,7 +3088,7 @@
           <a:lstStyle/>
           <a:p>
             <a:r>
-              <a:rPr lang="en-CA" sz="1400" dirty="0">
+              <a:rPr lang="en-CA" sz="1401" dirty="0">
                 <a:latin typeface="Bahnschrift Condensed" panose="020B0502040204020203" pitchFamily="34" charset="0"/>
               </a:rPr>
               <a:t>Recreational Pilot’s Permit</a:t>
@@ -3467,7 +3096,7 @@
           </a:p>
           <a:p>
             <a:r>
-              <a:rPr lang="en-CA" sz="1400" dirty="0">
+              <a:rPr lang="en-CA" sz="1401" dirty="0">
                 <a:latin typeface="Bahnschrift Condensed" panose="020B0502040204020203" pitchFamily="34" charset="0"/>
               </a:rPr>
               <a:t>(RPP)</a:t>
@@ -3492,9 +3121,9 @@
           <p:nvPr/>
         </p:nvCxnSpPr>
         <p:spPr>
-          <a:xfrm flipV="1">
-            <a:off x="2290194" y="734442"/>
-            <a:ext cx="1803635" cy="1"/>
+          <a:xfrm>
+            <a:off x="3257726" y="734445"/>
+            <a:ext cx="1803637" cy="132"/>
           </a:xfrm>
           <a:prstGeom prst="straightConnector1">
             <a:avLst/>
@@ -3536,8 +3165,8 @@
         </p:nvCxnSpPr>
         <p:spPr>
           <a:xfrm>
-            <a:off x="1145097" y="1057608"/>
-            <a:ext cx="0" cy="348935"/>
+            <a:off x="2112629" y="1057610"/>
+            <a:ext cx="2" cy="348938"/>
           </a:xfrm>
           <a:prstGeom prst="straightConnector1">
             <a:avLst/>
@@ -3575,7 +3204,7 @@
         </p:nvSpPr>
         <p:spPr>
           <a:xfrm>
-            <a:off x="805343" y="996052"/>
+            <a:off x="1772878" y="996055"/>
             <a:ext cx="679508" cy="261610"/>
           </a:xfrm>
           <a:prstGeom prst="rect">
@@ -3615,7 +3244,7 @@
         </p:nvSpPr>
         <p:spPr>
           <a:xfrm>
-            <a:off x="2290194" y="484270"/>
+            <a:off x="3257727" y="484274"/>
             <a:ext cx="679508" cy="261610"/>
           </a:xfrm>
           <a:prstGeom prst="rect">
@@ -3655,8 +3284,8 @@
         </p:nvSpPr>
         <p:spPr>
           <a:xfrm>
-            <a:off x="67112" y="1406543"/>
-            <a:ext cx="2155969" cy="307777"/>
+            <a:off x="1034645" y="1406548"/>
+            <a:ext cx="2155971" cy="307905"/>
           </a:xfrm>
           <a:prstGeom prst="rect">
             <a:avLst/>
@@ -3683,7 +3312,7 @@
           <a:lstStyle/>
           <a:p>
             <a:r>
-              <a:rPr lang="en-CA" sz="1400" dirty="0">
+              <a:rPr lang="en-CA" sz="1401" dirty="0">
                 <a:latin typeface="Bahnschrift Condensed" panose="020B0502040204020203" pitchFamily="34" charset="0"/>
               </a:rPr>
               <a:t>Private Pilot’s License (PPL)</a:t>
@@ -3705,8 +3334,8 @@
         </p:nvSpPr>
         <p:spPr>
           <a:xfrm>
-            <a:off x="-1" y="1755478"/>
-            <a:ext cx="2290194" cy="461665"/>
+            <a:off x="967529" y="1755480"/>
+            <a:ext cx="2290195" cy="461665"/>
           </a:xfrm>
           <a:prstGeom prst="rect">
             <a:avLst/>
@@ -3746,8 +3375,8 @@
         </p:nvCxnSpPr>
         <p:spPr>
           <a:xfrm flipV="1">
-            <a:off x="2290193" y="1984845"/>
-            <a:ext cx="1799962" cy="1466"/>
+            <a:off x="3257724" y="1984852"/>
+            <a:ext cx="1799966" cy="1461"/>
           </a:xfrm>
           <a:prstGeom prst="straightConnector1">
             <a:avLst/>
@@ -3785,8 +3414,8 @@
         </p:nvSpPr>
         <p:spPr>
           <a:xfrm>
-            <a:off x="4044164" y="2835200"/>
-            <a:ext cx="2155969" cy="307777"/>
+            <a:off x="5011697" y="2835205"/>
+            <a:ext cx="2155971" cy="307905"/>
           </a:xfrm>
           <a:prstGeom prst="rect">
             <a:avLst/>
@@ -3813,7 +3442,7 @@
           <a:lstStyle/>
           <a:p>
             <a:r>
-              <a:rPr lang="en-CA" sz="1400" dirty="0">
+              <a:rPr lang="en-CA" sz="1401" dirty="0">
                 <a:latin typeface="Bahnschrift Condensed" panose="020B0502040204020203" pitchFamily="34" charset="0"/>
               </a:rPr>
               <a:t>Night Rating</a:t>
@@ -3835,7 +3464,7 @@
         </p:nvSpPr>
         <p:spPr>
           <a:xfrm>
-            <a:off x="2290193" y="1723876"/>
+            <a:off x="3257727" y="1723879"/>
             <a:ext cx="679508" cy="261610"/>
           </a:xfrm>
           <a:prstGeom prst="rect">
@@ -3879,8 +3508,8 @@
         </p:nvCxnSpPr>
         <p:spPr>
           <a:xfrm>
-            <a:off x="1145096" y="2217143"/>
-            <a:ext cx="0" cy="418071"/>
+            <a:off x="2112627" y="2217145"/>
+            <a:ext cx="0" cy="418070"/>
           </a:xfrm>
           <a:prstGeom prst="straightConnector1">
             <a:avLst/>
@@ -3918,8 +3547,8 @@
         </p:nvSpPr>
         <p:spPr>
           <a:xfrm>
-            <a:off x="-1" y="2635214"/>
-            <a:ext cx="2290194" cy="615553"/>
+            <a:off x="967529" y="2635215"/>
+            <a:ext cx="2290195" cy="600421"/>
           </a:xfrm>
           <a:prstGeom prst="rect">
             <a:avLst/>
@@ -3954,7 +3583,7 @@
           </a:p>
           <a:p>
             <a:r>
-              <a:rPr lang="en-CA" sz="1050" i="1" dirty="0">
+              <a:rPr lang="en-CA" sz="1051" i="1" dirty="0">
                 <a:latin typeface="Bahnschrift Condensed" panose="020B0502040204020203" pitchFamily="34" charset="0"/>
               </a:rPr>
               <a:t>Includes night rating and VFR over-the-top (VFR-OTT)</a:t>
@@ -3976,7 +3605,7 @@
         </p:nvSpPr>
         <p:spPr>
           <a:xfrm>
-            <a:off x="805342" y="2217967"/>
+            <a:off x="1772875" y="2217970"/>
             <a:ext cx="679508" cy="261610"/>
           </a:xfrm>
           <a:prstGeom prst="rect">
@@ -4016,8 +3645,8 @@
         </p:nvSpPr>
         <p:spPr>
           <a:xfrm>
-            <a:off x="4035107" y="3148027"/>
-            <a:ext cx="2290194" cy="461665"/>
+            <a:off x="5002641" y="3148032"/>
+            <a:ext cx="2290195" cy="461665"/>
           </a:xfrm>
           <a:prstGeom prst="rect">
             <a:avLst/>
@@ -4053,8 +3682,8 @@
         </p:nvSpPr>
         <p:spPr>
           <a:xfrm>
-            <a:off x="0" y="3250767"/>
-            <a:ext cx="2290194" cy="276999"/>
+            <a:off x="967531" y="3250770"/>
+            <a:ext cx="2290195" cy="276999"/>
           </a:xfrm>
           <a:prstGeom prst="rect">
             <a:avLst/>
@@ -4094,8 +3723,8 @@
         </p:nvCxnSpPr>
         <p:spPr>
           <a:xfrm flipV="1">
-            <a:off x="2290194" y="3378860"/>
-            <a:ext cx="1744913" cy="10407"/>
+            <a:off x="3257726" y="3378865"/>
+            <a:ext cx="1744915" cy="10405"/>
           </a:xfrm>
           <a:prstGeom prst="straightConnector1">
             <a:avLst/>
@@ -4133,7 +3762,7 @@
         </p:nvSpPr>
         <p:spPr>
           <a:xfrm>
-            <a:off x="2256640" y="3144794"/>
+            <a:off x="3224174" y="3144799"/>
             <a:ext cx="679508" cy="261610"/>
           </a:xfrm>
           <a:prstGeom prst="rect">
@@ -4177,7 +3806,7 @@
         </p:nvCxnSpPr>
         <p:spPr>
           <a:xfrm>
-            <a:off x="1145097" y="3527766"/>
+            <a:off x="2112629" y="3527769"/>
             <a:ext cx="0" cy="630942"/>
           </a:xfrm>
           <a:prstGeom prst="straightConnector1">
@@ -4216,7 +3845,7 @@
         </p:nvSpPr>
         <p:spPr>
           <a:xfrm>
-            <a:off x="805342" y="3712432"/>
+            <a:off x="1772875" y="3712435"/>
             <a:ext cx="679508" cy="261610"/>
           </a:xfrm>
           <a:prstGeom prst="rect">
@@ -4256,8 +3885,8 @@
         </p:nvSpPr>
         <p:spPr>
           <a:xfrm>
-            <a:off x="0" y="4158708"/>
-            <a:ext cx="2290194" cy="276999"/>
+            <a:off x="967531" y="4158711"/>
+            <a:ext cx="2290195" cy="276999"/>
           </a:xfrm>
           <a:prstGeom prst="rect">
             <a:avLst/>
@@ -4310,7 +3939,7 @@
         </p:nvCxnSpPr>
         <p:spPr>
           <a:xfrm>
-            <a:off x="5180204" y="3609692"/>
+            <a:off x="6147739" y="3609697"/>
             <a:ext cx="0" cy="304837"/>
           </a:xfrm>
           <a:prstGeom prst="straightConnector1">
@@ -4349,8 +3978,8 @@
         </p:nvSpPr>
         <p:spPr>
           <a:xfrm>
-            <a:off x="4035107" y="3914529"/>
-            <a:ext cx="2290194" cy="276999"/>
+            <a:off x="5002641" y="3914534"/>
+            <a:ext cx="2290195" cy="276999"/>
           </a:xfrm>
           <a:prstGeom prst="rect">
             <a:avLst/>
@@ -4402,8 +4031,8 @@
         </p:nvCxnSpPr>
         <p:spPr>
           <a:xfrm>
-            <a:off x="6325301" y="3378860"/>
-            <a:ext cx="285227" cy="1072380"/>
+            <a:off x="7292836" y="3378865"/>
+            <a:ext cx="285224" cy="1072378"/>
           </a:xfrm>
           <a:prstGeom prst="bentConnector2">
             <a:avLst/>
@@ -4441,7 +4070,7 @@
         </p:nvCxnSpPr>
         <p:spPr>
           <a:xfrm flipH="1">
-            <a:off x="6290692" y="4451240"/>
+            <a:off x="7258226" y="4451243"/>
             <a:ext cx="319836" cy="0"/>
           </a:xfrm>
           <a:prstGeom prst="straightConnector1">
@@ -4480,7 +4109,7 @@
         </p:nvSpPr>
         <p:spPr>
           <a:xfrm>
-            <a:off x="4832057" y="3600111"/>
+            <a:off x="5799591" y="3600114"/>
             <a:ext cx="679508" cy="261610"/>
           </a:xfrm>
           <a:prstGeom prst="rect">
@@ -4520,7 +4149,7 @@
         </p:nvSpPr>
         <p:spPr>
           <a:xfrm>
-            <a:off x="6276857" y="3117249"/>
+            <a:off x="7244391" y="3117254"/>
             <a:ext cx="679508" cy="261610"/>
           </a:xfrm>
           <a:prstGeom prst="rect">
@@ -4560,8 +4189,8 @@
         </p:nvSpPr>
         <p:spPr>
           <a:xfrm>
-            <a:off x="4007758" y="5224416"/>
-            <a:ext cx="2290194" cy="446276"/>
+            <a:off x="4975291" y="5224418"/>
+            <a:ext cx="2290195" cy="438710"/>
           </a:xfrm>
           <a:prstGeom prst="rect">
             <a:avLst/>
@@ -4596,7 +4225,7 @@
           </a:p>
           <a:p>
             <a:r>
-              <a:rPr lang="en-CA" sz="1050" i="1" dirty="0">
+              <a:rPr lang="en-CA" sz="1051" i="1" dirty="0">
                 <a:latin typeface="Bahnschrift Condensed" panose="020B0502040204020203" pitchFamily="34" charset="0"/>
               </a:rPr>
               <a:t>Includes VFR over-the-top (VFR-OTT)</a:t>
@@ -4618,8 +4247,8 @@
         </p:nvSpPr>
         <p:spPr>
           <a:xfrm>
-            <a:off x="4000498" y="4220407"/>
-            <a:ext cx="2290194" cy="461665"/>
+            <a:off x="4968031" y="4220410"/>
+            <a:ext cx="2290195" cy="461665"/>
           </a:xfrm>
           <a:prstGeom prst="rect">
             <a:avLst/>
@@ -4658,8 +4287,8 @@
         </p:nvCxnSpPr>
         <p:spPr>
           <a:xfrm>
-            <a:off x="5145595" y="4682072"/>
-            <a:ext cx="7260" cy="542344"/>
+            <a:off x="6113129" y="4682075"/>
+            <a:ext cx="7260" cy="542343"/>
           </a:xfrm>
           <a:prstGeom prst="straightConnector1">
             <a:avLst/>
@@ -4697,7 +4326,7 @@
         </p:nvSpPr>
         <p:spPr>
           <a:xfrm>
-            <a:off x="5888547" y="4620916"/>
+            <a:off x="6856082" y="4620920"/>
             <a:ext cx="679508" cy="261610"/>
           </a:xfrm>
           <a:prstGeom prst="rect">
@@ -4737,7 +4366,7 @@
         </p:nvSpPr>
         <p:spPr>
           <a:xfrm>
-            <a:off x="4805841" y="4934437"/>
+            <a:off x="5773375" y="4934440"/>
             <a:ext cx="679508" cy="261610"/>
           </a:xfrm>
           <a:prstGeom prst="rect">
@@ -4777,8 +4406,8 @@
         </p:nvSpPr>
         <p:spPr>
           <a:xfrm>
-            <a:off x="6173132" y="6302097"/>
-            <a:ext cx="1338569" cy="369332"/>
+            <a:off x="7140672" y="6302099"/>
+            <a:ext cx="1338569" cy="369460"/>
           </a:xfrm>
           <a:prstGeom prst="rect">
             <a:avLst/>
@@ -4793,7 +4422,7 @@
           <a:p>
             <a:pPr algn="ctr"/>
             <a:r>
-              <a:rPr lang="en-CA" u="sng" dirty="0">
+              <a:rPr lang="en-CA" sz="1801" u="sng" dirty="0">
                 <a:latin typeface="Bahnschrift Condensed" panose="020B0502040204020203" pitchFamily="34" charset="0"/>
               </a:rPr>
               <a:t>!!You’re done!!</a:t>
@@ -4815,7 +4444,7 @@
         </p:nvSpPr>
         <p:spPr>
           <a:xfrm>
-            <a:off x="4090155" y="1846345"/>
+            <a:off x="5057690" y="1846352"/>
             <a:ext cx="2061077" cy="276999"/>
           </a:xfrm>
           <a:prstGeom prst="rect">
@@ -4856,8 +4485,8 @@
         </p:nvCxnSpPr>
         <p:spPr>
           <a:xfrm>
-            <a:off x="5120694" y="2123344"/>
-            <a:ext cx="1455" cy="711856"/>
+            <a:off x="6088229" y="2123351"/>
+            <a:ext cx="1454" cy="711854"/>
           </a:xfrm>
           <a:prstGeom prst="straightConnector1">
             <a:avLst/>
@@ -4898,8 +4527,8 @@
         </p:nvCxnSpPr>
         <p:spPr>
           <a:xfrm rot="5400000">
-            <a:off x="4344932" y="1436012"/>
-            <a:ext cx="88431" cy="1463094"/>
+            <a:off x="5312478" y="1436030"/>
+            <a:ext cx="88430" cy="1463073"/>
           </a:xfrm>
           <a:prstGeom prst="bentConnector2">
             <a:avLst/>
@@ -4934,7 +4563,7 @@
         </p:nvSpPr>
         <p:spPr>
           <a:xfrm>
-            <a:off x="4780939" y="2412132"/>
+            <a:off x="5748471" y="2412136"/>
             <a:ext cx="679508" cy="261610"/>
           </a:xfrm>
           <a:prstGeom prst="rect">
@@ -4974,7 +4603,7 @@
         </p:nvSpPr>
         <p:spPr>
           <a:xfrm>
-            <a:off x="3347206" y="2212429"/>
+            <a:off x="4314742" y="2212432"/>
             <a:ext cx="679508" cy="261610"/>
           </a:xfrm>
           <a:prstGeom prst="rect">
@@ -5017,8 +4646,8 @@
         </p:nvCxnSpPr>
         <p:spPr>
           <a:xfrm>
-            <a:off x="6841684" y="729779"/>
-            <a:ext cx="733" cy="5572318"/>
+            <a:off x="7809217" y="729782"/>
+            <a:ext cx="740" cy="5572317"/>
           </a:xfrm>
           <a:prstGeom prst="straightConnector1">
             <a:avLst/>
@@ -5057,9 +4686,9 @@
           <p:nvPr/>
         </p:nvCxnSpPr>
         <p:spPr>
-          <a:xfrm>
-            <a:off x="6249798" y="734442"/>
-            <a:ext cx="595619" cy="0"/>
+          <a:xfrm flipV="1">
+            <a:off x="7217334" y="734448"/>
+            <a:ext cx="595620" cy="129"/>
           </a:xfrm>
           <a:prstGeom prst="straightConnector1">
             <a:avLst/>
@@ -5099,8 +4728,8 @@
         </p:nvCxnSpPr>
         <p:spPr>
           <a:xfrm flipV="1">
-            <a:off x="6200133" y="2989088"/>
-            <a:ext cx="642284" cy="1"/>
+            <a:off x="7167668" y="2989093"/>
+            <a:ext cx="642283" cy="65"/>
           </a:xfrm>
           <a:prstGeom prst="straightConnector1">
             <a:avLst/>
@@ -5140,8 +4769,8 @@
         </p:nvCxnSpPr>
         <p:spPr>
           <a:xfrm rot="16200000" flipH="1">
-            <a:off x="5895327" y="3932340"/>
-            <a:ext cx="200359" cy="1699822"/>
+            <a:off x="6862859" y="3932344"/>
+            <a:ext cx="200354" cy="1699815"/>
           </a:xfrm>
           <a:prstGeom prst="bentConnector2">
             <a:avLst/>
@@ -5181,8 +4810,8 @@
         </p:nvCxnSpPr>
         <p:spPr>
           <a:xfrm>
-            <a:off x="3657600" y="2211775"/>
-            <a:ext cx="0" cy="1177491"/>
+            <a:off x="4625131" y="2211778"/>
+            <a:ext cx="0" cy="1177492"/>
           </a:xfrm>
           <a:prstGeom prst="straightConnector1">
             <a:avLst/>
@@ -5223,12 +4852,12 @@
         </p:nvCxnSpPr>
         <p:spPr>
           <a:xfrm flipV="1">
-            <a:off x="2290194" y="3389266"/>
-            <a:ext cx="985707" cy="907942"/>
+            <a:off x="3257726" y="3389268"/>
+            <a:ext cx="985711" cy="907943"/>
           </a:xfrm>
           <a:prstGeom prst="bentConnector3">
             <a:avLst>
-              <a:gd name="adj1" fmla="val 100248"/>
+              <a:gd name="adj1" fmla="val 50000"/>
             </a:avLst>
           </a:prstGeom>
           <a:ln>
@@ -5264,7 +4893,7 @@
         </p:nvSpPr>
         <p:spPr>
           <a:xfrm>
-            <a:off x="2290193" y="745880"/>
+            <a:off x="3257732" y="745888"/>
             <a:ext cx="1736521" cy="200055"/>
           </a:xfrm>
           <a:prstGeom prst="rect">
@@ -5304,8 +4933,8 @@
         </p:nvSpPr>
         <p:spPr>
           <a:xfrm>
-            <a:off x="1108040" y="3534973"/>
-            <a:ext cx="959834" cy="584775"/>
+            <a:off x="2075573" y="3534977"/>
+            <a:ext cx="959835" cy="584775"/>
           </a:xfrm>
           <a:prstGeom prst="rect">
             <a:avLst/>
@@ -5345,8 +4974,8 @@
         </p:nvSpPr>
         <p:spPr>
           <a:xfrm>
-            <a:off x="3931553" y="5661642"/>
-            <a:ext cx="2290194" cy="276999"/>
+            <a:off x="4899087" y="5661648"/>
+            <a:ext cx="2290195" cy="276999"/>
           </a:xfrm>
           <a:prstGeom prst="rect">
             <a:avLst/>
@@ -5382,7 +5011,7 @@
         </p:nvSpPr>
         <p:spPr>
           <a:xfrm>
-            <a:off x="3570348" y="5539887"/>
+            <a:off x="4537883" y="5539890"/>
             <a:ext cx="679508" cy="261610"/>
           </a:xfrm>
           <a:prstGeom prst="rect">
@@ -5422,8 +5051,8 @@
         </p:nvSpPr>
         <p:spPr>
           <a:xfrm>
-            <a:off x="1105113" y="5661641"/>
-            <a:ext cx="2370158" cy="276999"/>
+            <a:off x="2072646" y="5661648"/>
+            <a:ext cx="2370159" cy="276999"/>
           </a:xfrm>
           <a:prstGeom prst="rect">
             <a:avLst/>
@@ -5462,9 +5091,9 @@
           <p:nvPr/>
         </p:nvCxnSpPr>
         <p:spPr>
-          <a:xfrm flipH="1" flipV="1">
-            <a:off x="3475271" y="5800141"/>
-            <a:ext cx="456282" cy="1"/>
+          <a:xfrm flipH="1">
+            <a:off x="4442805" y="5800148"/>
+            <a:ext cx="456282" cy="0"/>
           </a:xfrm>
           <a:prstGeom prst="straightConnector1">
             <a:avLst/>
@@ -5506,8 +5135,8 @@
         </p:nvCxnSpPr>
         <p:spPr>
           <a:xfrm>
-            <a:off x="2290192" y="5938640"/>
-            <a:ext cx="0" cy="394234"/>
+            <a:off x="3257726" y="5938647"/>
+            <a:ext cx="0" cy="394231"/>
           </a:xfrm>
           <a:prstGeom prst="straightConnector1">
             <a:avLst/>
@@ -5545,8 +5174,8 @@
         </p:nvSpPr>
         <p:spPr>
           <a:xfrm>
-            <a:off x="1145095" y="6332874"/>
-            <a:ext cx="2290194" cy="307777"/>
+            <a:off x="2112628" y="6332878"/>
+            <a:ext cx="2290195" cy="307905"/>
           </a:xfrm>
           <a:prstGeom prst="rect">
             <a:avLst/>
@@ -5573,7 +5202,7 @@
           <a:lstStyle/>
           <a:p>
             <a:r>
-              <a:rPr lang="en-CA" sz="1400" dirty="0">
+              <a:rPr lang="en-CA" sz="1401" dirty="0">
                 <a:latin typeface="Bahnschrift Condensed" panose="020B0502040204020203" pitchFamily="34" charset="0"/>
               </a:rPr>
               <a:t>IATRA Written Exam</a:t>
@@ -5598,9 +5227,9 @@
           <p:nvPr/>
         </p:nvCxnSpPr>
         <p:spPr>
-          <a:xfrm>
-            <a:off x="3435289" y="6486763"/>
-            <a:ext cx="2737843" cy="0"/>
+          <a:xfrm flipV="1">
+            <a:off x="4402823" y="6486829"/>
+            <a:ext cx="2737849" cy="2"/>
           </a:xfrm>
           <a:prstGeom prst="straightConnector1">
             <a:avLst/>
@@ -5638,7 +5267,7 @@
         </p:nvSpPr>
         <p:spPr>
           <a:xfrm>
-            <a:off x="3463530" y="6092370"/>
+            <a:off x="4431063" y="6092374"/>
             <a:ext cx="679508" cy="261610"/>
           </a:xfrm>
           <a:prstGeom prst="rect">
@@ -5678,7 +5307,7 @@
         </p:nvSpPr>
         <p:spPr>
           <a:xfrm>
-            <a:off x="1950439" y="6022521"/>
+            <a:off x="2917973" y="6022524"/>
             <a:ext cx="679508" cy="261610"/>
           </a:xfrm>
           <a:prstGeom prst="rect">
@@ -5720,8 +5349,8 @@
         </p:nvCxnSpPr>
         <p:spPr>
           <a:xfrm>
-            <a:off x="2287191" y="6016183"/>
-            <a:ext cx="1459119" cy="470579"/>
+            <a:off x="3254725" y="6016187"/>
+            <a:ext cx="1459119" cy="470580"/>
           </a:xfrm>
           <a:prstGeom prst="bentConnector3">
             <a:avLst>
@@ -5761,8 +5390,8 @@
         </p:nvSpPr>
         <p:spPr>
           <a:xfrm>
-            <a:off x="4007758" y="5963143"/>
-            <a:ext cx="2290194" cy="276999"/>
+            <a:off x="4975291" y="5963148"/>
+            <a:ext cx="2290195" cy="276999"/>
           </a:xfrm>
           <a:prstGeom prst="rect">
             <a:avLst/>
@@ -5812,9 +5441,9 @@
           <p:nvPr/>
         </p:nvCxnSpPr>
         <p:spPr>
-          <a:xfrm>
-            <a:off x="5152855" y="6240142"/>
-            <a:ext cx="0" cy="246620"/>
+          <a:xfrm flipH="1">
+            <a:off x="6120388" y="6240147"/>
+            <a:ext cx="1" cy="246620"/>
           </a:xfrm>
           <a:prstGeom prst="straightConnector1">
             <a:avLst/>
@@ -5855,8 +5484,8 @@
         </p:nvCxnSpPr>
         <p:spPr>
           <a:xfrm>
-            <a:off x="6297952" y="5447554"/>
-            <a:ext cx="12700" cy="654089"/>
+            <a:off x="7265486" y="5443773"/>
+            <a:ext cx="12700" cy="657875"/>
           </a:xfrm>
           <a:prstGeom prst="bentConnector3">
             <a:avLst>
@@ -5896,7 +5525,7 @@
         </p:nvSpPr>
         <p:spPr>
           <a:xfrm>
-            <a:off x="6249798" y="5193110"/>
+            <a:off x="7217333" y="5193115"/>
             <a:ext cx="679508" cy="261610"/>
           </a:xfrm>
           <a:prstGeom prst="rect">
@@ -5938,7 +5567,7 @@
 <file path=ppt/theme/theme1.xml><?xml version="1.0" encoding="utf-8"?>
 <a:theme xmlns:a="http://schemas.openxmlformats.org/drawingml/2006/main" name="Office Theme">
   <a:themeElements>
-    <a:clrScheme name="Office">
+    <a:clrScheme name="Office Theme">
       <a:dk1>
         <a:sysClr val="windowText" lastClr="000000"/>
       </a:dk1>
@@ -5976,7 +5605,7 @@
         <a:srgbClr val="954F72"/>
       </a:folHlink>
     </a:clrScheme>
-    <a:fontScheme name="Office">
+    <a:fontScheme name="Office Theme">
       <a:majorFont>
         <a:latin typeface="Calibri Light" panose="020F0302020204030204"/>
         <a:ea typeface=""/>
@@ -6011,23 +5640,6 @@
         <a:font script="Viet" typeface="Times New Roman"/>
         <a:font script="Uigh" typeface="Microsoft Uighur"/>
         <a:font script="Geor" typeface="Sylfaen"/>
-        <a:font script="Armn" typeface="Arial"/>
-        <a:font script="Bugi" typeface="Leelawadee UI"/>
-        <a:font script="Bopo" typeface="Microsoft JhengHei"/>
-        <a:font script="Java" typeface="Javanese Text"/>
-        <a:font script="Lisu" typeface="Segoe UI"/>
-        <a:font script="Mymr" typeface="Myanmar Text"/>
-        <a:font script="Nkoo" typeface="Ebrima"/>
-        <a:font script="Olck" typeface="Nirmala UI"/>
-        <a:font script="Osma" typeface="Ebrima"/>
-        <a:font script="Phag" typeface="Phagspa"/>
-        <a:font script="Syrn" typeface="Estrangelo Edessa"/>
-        <a:font script="Syrj" typeface="Estrangelo Edessa"/>
-        <a:font script="Syre" typeface="Estrangelo Edessa"/>
-        <a:font script="Sora" typeface="Nirmala UI"/>
-        <a:font script="Tale" typeface="Microsoft Tai Le"/>
-        <a:font script="Talu" typeface="Microsoft New Tai Lue"/>
-        <a:font script="Tfng" typeface="Ebrima"/>
       </a:majorFont>
       <a:minorFont>
         <a:latin typeface="Calibri" panose="020F0502020204030204"/>
@@ -6063,26 +5675,9 @@
         <a:font script="Viet" typeface="Arial"/>
         <a:font script="Uigh" typeface="Microsoft Uighur"/>
         <a:font script="Geor" typeface="Sylfaen"/>
-        <a:font script="Armn" typeface="Arial"/>
-        <a:font script="Bugi" typeface="Leelawadee UI"/>
-        <a:font script="Bopo" typeface="Microsoft JhengHei"/>
-        <a:font script="Java" typeface="Javanese Text"/>
-        <a:font script="Lisu" typeface="Segoe UI"/>
-        <a:font script="Mymr" typeface="Myanmar Text"/>
-        <a:font script="Nkoo" typeface="Ebrima"/>
-        <a:font script="Olck" typeface="Nirmala UI"/>
-        <a:font script="Osma" typeface="Ebrima"/>
-        <a:font script="Phag" typeface="Phagspa"/>
-        <a:font script="Syrn" typeface="Estrangelo Edessa"/>
-        <a:font script="Syrj" typeface="Estrangelo Edessa"/>
-        <a:font script="Syre" typeface="Estrangelo Edessa"/>
-        <a:font script="Sora" typeface="Nirmala UI"/>
-        <a:font script="Tale" typeface="Microsoft Tai Le"/>
-        <a:font script="Talu" typeface="Microsoft New Tai Lue"/>
-        <a:font script="Tfng" typeface="Ebrima"/>
       </a:minorFont>
     </a:fontScheme>
-    <a:fmtScheme name="Office">
+    <a:fmtScheme name="Office Theme">
       <a:fillStyleLst>
         <a:solidFill>
           <a:schemeClr val="phClr"/>
